--- a/redis.pptx
+++ b/redis.pptx
@@ -7,6 +7,7 @@
   <p:sldIdLst>
     <p:sldId id="256" r:id="rId2"/>
     <p:sldId id="257" r:id="rId3"/>
+    <p:sldId id="258" r:id="rId4"/>
   </p:sldIdLst>
   <p:sldSz cx="12192000" cy="6858000"/>
   <p:notesSz cx="6858000" cy="9144000"/>
@@ -105,6 +106,11 @@
       </a:defRPr>
     </a:lvl9pPr>
   </p:defaultTextStyle>
+  <p:extLst>
+    <p:ext uri="{EFAFB233-063F-42B5-8137-9DF3F51BA10A}">
+      <p15:sldGuideLst xmlns:p15="http://schemas.microsoft.com/office/powerpoint/2012/main"/>
+    </p:ext>
+  </p:extLst>
 </p:presentation>
 </file>
 
@@ -255,7 +261,7 @@
           <a:p>
             <a:fld id="{F1B12A54-5835-455B-9066-10439CDBE7D2}" type="datetimeFigureOut">
               <a:rPr lang="zh-CN" altLang="en-US" smtClean="0"/>
-              <a:t>2022/6/19</a:t>
+              <a:t>2022/6/20</a:t>
             </a:fld>
             <a:endParaRPr lang="zh-CN" altLang="en-US"/>
           </a:p>
@@ -453,7 +459,7 @@
           <a:p>
             <a:fld id="{F1B12A54-5835-455B-9066-10439CDBE7D2}" type="datetimeFigureOut">
               <a:rPr lang="zh-CN" altLang="en-US" smtClean="0"/>
-              <a:t>2022/6/19</a:t>
+              <a:t>2022/6/20</a:t>
             </a:fld>
             <a:endParaRPr lang="zh-CN" altLang="en-US"/>
           </a:p>
@@ -661,7 +667,7 @@
           <a:p>
             <a:fld id="{F1B12A54-5835-455B-9066-10439CDBE7D2}" type="datetimeFigureOut">
               <a:rPr lang="zh-CN" altLang="en-US" smtClean="0"/>
-              <a:t>2022/6/19</a:t>
+              <a:t>2022/6/20</a:t>
             </a:fld>
             <a:endParaRPr lang="zh-CN" altLang="en-US"/>
           </a:p>
@@ -859,7 +865,7 @@
           <a:p>
             <a:fld id="{F1B12A54-5835-455B-9066-10439CDBE7D2}" type="datetimeFigureOut">
               <a:rPr lang="zh-CN" altLang="en-US" smtClean="0"/>
-              <a:t>2022/6/19</a:t>
+              <a:t>2022/6/20</a:t>
             </a:fld>
             <a:endParaRPr lang="zh-CN" altLang="en-US"/>
           </a:p>
@@ -1134,7 +1140,7 @@
           <a:p>
             <a:fld id="{F1B12A54-5835-455B-9066-10439CDBE7D2}" type="datetimeFigureOut">
               <a:rPr lang="zh-CN" altLang="en-US" smtClean="0"/>
-              <a:t>2022/6/19</a:t>
+              <a:t>2022/6/20</a:t>
             </a:fld>
             <a:endParaRPr lang="zh-CN" altLang="en-US"/>
           </a:p>
@@ -1399,7 +1405,7 @@
           <a:p>
             <a:fld id="{F1B12A54-5835-455B-9066-10439CDBE7D2}" type="datetimeFigureOut">
               <a:rPr lang="zh-CN" altLang="en-US" smtClean="0"/>
-              <a:t>2022/6/19</a:t>
+              <a:t>2022/6/20</a:t>
             </a:fld>
             <a:endParaRPr lang="zh-CN" altLang="en-US"/>
           </a:p>
@@ -1811,7 +1817,7 @@
           <a:p>
             <a:fld id="{F1B12A54-5835-455B-9066-10439CDBE7D2}" type="datetimeFigureOut">
               <a:rPr lang="zh-CN" altLang="en-US" smtClean="0"/>
-              <a:t>2022/6/19</a:t>
+              <a:t>2022/6/20</a:t>
             </a:fld>
             <a:endParaRPr lang="zh-CN" altLang="en-US"/>
           </a:p>
@@ -1952,7 +1958,7 @@
           <a:p>
             <a:fld id="{F1B12A54-5835-455B-9066-10439CDBE7D2}" type="datetimeFigureOut">
               <a:rPr lang="zh-CN" altLang="en-US" smtClean="0"/>
-              <a:t>2022/6/19</a:t>
+              <a:t>2022/6/20</a:t>
             </a:fld>
             <a:endParaRPr lang="zh-CN" altLang="en-US"/>
           </a:p>
@@ -2065,7 +2071,7 @@
           <a:p>
             <a:fld id="{F1B12A54-5835-455B-9066-10439CDBE7D2}" type="datetimeFigureOut">
               <a:rPr lang="zh-CN" altLang="en-US" smtClean="0"/>
-              <a:t>2022/6/19</a:t>
+              <a:t>2022/6/20</a:t>
             </a:fld>
             <a:endParaRPr lang="zh-CN" altLang="en-US"/>
           </a:p>
@@ -2376,7 +2382,7 @@
           <a:p>
             <a:fld id="{F1B12A54-5835-455B-9066-10439CDBE7D2}" type="datetimeFigureOut">
               <a:rPr lang="zh-CN" altLang="en-US" smtClean="0"/>
-              <a:t>2022/6/19</a:t>
+              <a:t>2022/6/20</a:t>
             </a:fld>
             <a:endParaRPr lang="zh-CN" altLang="en-US"/>
           </a:p>
@@ -2664,7 +2670,7 @@
           <a:p>
             <a:fld id="{F1B12A54-5835-455B-9066-10439CDBE7D2}" type="datetimeFigureOut">
               <a:rPr lang="zh-CN" altLang="en-US" smtClean="0"/>
-              <a:t>2022/6/19</a:t>
+              <a:t>2022/6/20</a:t>
             </a:fld>
             <a:endParaRPr lang="zh-CN" altLang="en-US"/>
           </a:p>
@@ -2905,7 +2911,7 @@
           <a:p>
             <a:fld id="{F1B12A54-5835-455B-9066-10439CDBE7D2}" type="datetimeFigureOut">
               <a:rPr lang="zh-CN" altLang="en-US" smtClean="0"/>
-              <a:t>2022/6/19</a:t>
+              <a:t>2022/6/20</a:t>
             </a:fld>
             <a:endParaRPr lang="zh-CN" altLang="en-US"/>
           </a:p>
@@ -3337,13 +3343,13 @@
           <p:nvPr>
             <p:extLst>
               <p:ext uri="{D42A27DB-BD31-4B8C-83A1-F6EECF244321}">
-                <p14:modId xmlns:p14="http://schemas.microsoft.com/office/powerpoint/2010/main" val="3989864990"/>
+                <p14:modId xmlns:p14="http://schemas.microsoft.com/office/powerpoint/2010/main" val="1360793110"/>
               </p:ext>
             </p:extLst>
           </p:nvPr>
         </p:nvGraphicFramePr>
         <p:xfrm>
-          <a:off x="1478210" y="938608"/>
+          <a:off x="838130" y="365029"/>
           <a:ext cx="3724857" cy="970566"/>
         </p:xfrm>
         <a:graphic>
@@ -4931,6 +4937,2667 @@
           </a:graphicData>
         </a:graphic>
       </p:graphicFrame>
+      <p:sp>
+        <p:nvSpPr>
+          <p:cNvPr id="3" name="矩形 2">
+            <a:extLst>
+              <a:ext uri="{FF2B5EF4-FFF2-40B4-BE49-F238E27FC236}">
+                <a16:creationId xmlns:a16="http://schemas.microsoft.com/office/drawing/2014/main" id="{8557D4AB-6B6E-ACDC-31AC-84A337F57D91}"/>
+              </a:ext>
+            </a:extLst>
+          </p:cNvPr>
+          <p:cNvSpPr/>
+          <p:nvPr/>
+        </p:nvSpPr>
+        <p:spPr>
+          <a:xfrm>
+            <a:off x="812113" y="1820487"/>
+            <a:ext cx="656706" cy="340822"/>
+          </a:xfrm>
+          <a:prstGeom prst="rect">
+            <a:avLst/>
+          </a:prstGeom>
+          <a:solidFill>
+            <a:schemeClr val="bg1"/>
+          </a:solidFill>
+          <a:ln w="9525">
+            <a:solidFill>
+              <a:schemeClr val="tx1"/>
+            </a:solidFill>
+          </a:ln>
+        </p:spPr>
+        <p:style>
+          <a:lnRef idx="2">
+            <a:schemeClr val="accent1">
+              <a:shade val="50000"/>
+            </a:schemeClr>
+          </a:lnRef>
+          <a:fillRef idx="1">
+            <a:schemeClr val="accent1"/>
+          </a:fillRef>
+          <a:effectRef idx="0">
+            <a:schemeClr val="accent1"/>
+          </a:effectRef>
+          <a:fontRef idx="minor">
+            <a:schemeClr val="lt1"/>
+          </a:fontRef>
+        </p:style>
+        <p:txBody>
+          <a:bodyPr rtlCol="0" anchor="ctr"/>
+          <a:lstStyle/>
+          <a:p>
+            <a:pPr algn="ctr"/>
+            <a:r>
+              <a:rPr lang="en-US" altLang="zh-CN" sz="900">
+                <a:solidFill>
+                  <a:schemeClr val="tx1"/>
+                </a:solidFill>
+              </a:rPr>
+              <a:t>ziplist</a:t>
+            </a:r>
+            <a:endParaRPr lang="zh-CN" altLang="en-US" sz="900">
+              <a:solidFill>
+                <a:schemeClr val="tx1"/>
+              </a:solidFill>
+            </a:endParaRPr>
+          </a:p>
+        </p:txBody>
+      </p:sp>
+      <p:sp>
+        <p:nvSpPr>
+          <p:cNvPr id="5" name="矩形 4">
+            <a:extLst>
+              <a:ext uri="{FF2B5EF4-FFF2-40B4-BE49-F238E27FC236}">
+                <a16:creationId xmlns:a16="http://schemas.microsoft.com/office/drawing/2014/main" id="{A751CF7C-72C2-668F-3B75-F63E9083F7B0}"/>
+              </a:ext>
+            </a:extLst>
+          </p:cNvPr>
+          <p:cNvSpPr/>
+          <p:nvPr/>
+        </p:nvSpPr>
+        <p:spPr>
+          <a:xfrm>
+            <a:off x="1986978" y="1820487"/>
+            <a:ext cx="656706" cy="340822"/>
+          </a:xfrm>
+          <a:prstGeom prst="rect">
+            <a:avLst/>
+          </a:prstGeom>
+          <a:solidFill>
+            <a:schemeClr val="bg1"/>
+          </a:solidFill>
+          <a:ln w="9525">
+            <a:solidFill>
+              <a:schemeClr val="tx1"/>
+            </a:solidFill>
+          </a:ln>
+        </p:spPr>
+        <p:style>
+          <a:lnRef idx="2">
+            <a:schemeClr val="accent1">
+              <a:shade val="50000"/>
+            </a:schemeClr>
+          </a:lnRef>
+          <a:fillRef idx="1">
+            <a:schemeClr val="accent1"/>
+          </a:fillRef>
+          <a:effectRef idx="0">
+            <a:schemeClr val="accent1"/>
+          </a:effectRef>
+          <a:fontRef idx="minor">
+            <a:schemeClr val="lt1"/>
+          </a:fontRef>
+        </p:style>
+        <p:txBody>
+          <a:bodyPr rtlCol="0" anchor="ctr"/>
+          <a:lstStyle/>
+          <a:p>
+            <a:pPr algn="ctr"/>
+            <a:r>
+              <a:rPr lang="en-US" altLang="zh-CN" sz="900">
+                <a:solidFill>
+                  <a:schemeClr val="tx1"/>
+                </a:solidFill>
+              </a:rPr>
+              <a:t>ziplist</a:t>
+            </a:r>
+            <a:endParaRPr lang="zh-CN" altLang="en-US" sz="900">
+              <a:solidFill>
+                <a:schemeClr val="tx1"/>
+              </a:solidFill>
+            </a:endParaRPr>
+          </a:p>
+        </p:txBody>
+      </p:sp>
+      <p:sp>
+        <p:nvSpPr>
+          <p:cNvPr id="6" name="矩形 5">
+            <a:extLst>
+              <a:ext uri="{FF2B5EF4-FFF2-40B4-BE49-F238E27FC236}">
+                <a16:creationId xmlns:a16="http://schemas.microsoft.com/office/drawing/2014/main" id="{D1C26725-90E2-896C-67BE-3997FF5C6488}"/>
+              </a:ext>
+            </a:extLst>
+          </p:cNvPr>
+          <p:cNvSpPr/>
+          <p:nvPr/>
+        </p:nvSpPr>
+        <p:spPr>
+          <a:xfrm>
+            <a:off x="3161843" y="1820487"/>
+            <a:ext cx="656706" cy="340822"/>
+          </a:xfrm>
+          <a:prstGeom prst="rect">
+            <a:avLst/>
+          </a:prstGeom>
+          <a:solidFill>
+            <a:schemeClr val="bg1"/>
+          </a:solidFill>
+          <a:ln w="9525">
+            <a:solidFill>
+              <a:schemeClr val="tx1"/>
+            </a:solidFill>
+          </a:ln>
+        </p:spPr>
+        <p:style>
+          <a:lnRef idx="2">
+            <a:schemeClr val="accent1">
+              <a:shade val="50000"/>
+            </a:schemeClr>
+          </a:lnRef>
+          <a:fillRef idx="1">
+            <a:schemeClr val="accent1"/>
+          </a:fillRef>
+          <a:effectRef idx="0">
+            <a:schemeClr val="accent1"/>
+          </a:effectRef>
+          <a:fontRef idx="minor">
+            <a:schemeClr val="lt1"/>
+          </a:fontRef>
+        </p:style>
+        <p:txBody>
+          <a:bodyPr rtlCol="0" anchor="ctr"/>
+          <a:lstStyle/>
+          <a:p>
+            <a:pPr algn="ctr"/>
+            <a:r>
+              <a:rPr lang="en-US" altLang="zh-CN" sz="900">
+                <a:solidFill>
+                  <a:schemeClr val="tx1"/>
+                </a:solidFill>
+              </a:rPr>
+              <a:t>ziplist</a:t>
+            </a:r>
+            <a:endParaRPr lang="zh-CN" altLang="en-US" sz="900">
+              <a:solidFill>
+                <a:schemeClr val="tx1"/>
+              </a:solidFill>
+            </a:endParaRPr>
+          </a:p>
+        </p:txBody>
+      </p:sp>
+      <p:sp>
+        <p:nvSpPr>
+          <p:cNvPr id="7" name="矩形 6">
+            <a:extLst>
+              <a:ext uri="{FF2B5EF4-FFF2-40B4-BE49-F238E27FC236}">
+                <a16:creationId xmlns:a16="http://schemas.microsoft.com/office/drawing/2014/main" id="{C89EA9F6-5D36-619F-5959-3F43AFE98624}"/>
+              </a:ext>
+            </a:extLst>
+          </p:cNvPr>
+          <p:cNvSpPr/>
+          <p:nvPr/>
+        </p:nvSpPr>
+        <p:spPr>
+          <a:xfrm>
+            <a:off x="4336708" y="1820487"/>
+            <a:ext cx="656706" cy="340822"/>
+          </a:xfrm>
+          <a:prstGeom prst="rect">
+            <a:avLst/>
+          </a:prstGeom>
+          <a:solidFill>
+            <a:schemeClr val="bg1"/>
+          </a:solidFill>
+          <a:ln w="9525">
+            <a:solidFill>
+              <a:schemeClr val="tx1"/>
+            </a:solidFill>
+          </a:ln>
+        </p:spPr>
+        <p:style>
+          <a:lnRef idx="2">
+            <a:schemeClr val="accent1">
+              <a:shade val="50000"/>
+            </a:schemeClr>
+          </a:lnRef>
+          <a:fillRef idx="1">
+            <a:schemeClr val="accent1"/>
+          </a:fillRef>
+          <a:effectRef idx="0">
+            <a:schemeClr val="accent1"/>
+          </a:effectRef>
+          <a:fontRef idx="minor">
+            <a:schemeClr val="lt1"/>
+          </a:fontRef>
+        </p:style>
+        <p:txBody>
+          <a:bodyPr rtlCol="0" anchor="ctr"/>
+          <a:lstStyle/>
+          <a:p>
+            <a:pPr algn="ctr"/>
+            <a:r>
+              <a:rPr lang="en-US" altLang="zh-CN" sz="900">
+                <a:solidFill>
+                  <a:schemeClr val="tx1"/>
+                </a:solidFill>
+              </a:rPr>
+              <a:t>ziplist</a:t>
+            </a:r>
+            <a:endParaRPr lang="zh-CN" altLang="en-US" sz="900">
+              <a:solidFill>
+                <a:schemeClr val="tx1"/>
+              </a:solidFill>
+            </a:endParaRPr>
+          </a:p>
+        </p:txBody>
+      </p:sp>
+      <p:sp>
+        <p:nvSpPr>
+          <p:cNvPr id="8" name="矩形 7">
+            <a:extLst>
+              <a:ext uri="{FF2B5EF4-FFF2-40B4-BE49-F238E27FC236}">
+                <a16:creationId xmlns:a16="http://schemas.microsoft.com/office/drawing/2014/main" id="{8EDB337D-CBCD-6339-C1C7-6B2506AF56DE}"/>
+              </a:ext>
+            </a:extLst>
+          </p:cNvPr>
+          <p:cNvSpPr/>
+          <p:nvPr/>
+        </p:nvSpPr>
+        <p:spPr>
+          <a:xfrm>
+            <a:off x="5511573" y="1820487"/>
+            <a:ext cx="656706" cy="340822"/>
+          </a:xfrm>
+          <a:prstGeom prst="rect">
+            <a:avLst/>
+          </a:prstGeom>
+          <a:solidFill>
+            <a:schemeClr val="bg1"/>
+          </a:solidFill>
+          <a:ln w="9525">
+            <a:solidFill>
+              <a:schemeClr val="tx1"/>
+            </a:solidFill>
+          </a:ln>
+        </p:spPr>
+        <p:style>
+          <a:lnRef idx="2">
+            <a:schemeClr val="accent1">
+              <a:shade val="50000"/>
+            </a:schemeClr>
+          </a:lnRef>
+          <a:fillRef idx="1">
+            <a:schemeClr val="accent1"/>
+          </a:fillRef>
+          <a:effectRef idx="0">
+            <a:schemeClr val="accent1"/>
+          </a:effectRef>
+          <a:fontRef idx="minor">
+            <a:schemeClr val="lt1"/>
+          </a:fontRef>
+        </p:style>
+        <p:txBody>
+          <a:bodyPr rtlCol="0" anchor="ctr"/>
+          <a:lstStyle/>
+          <a:p>
+            <a:pPr algn="ctr"/>
+            <a:r>
+              <a:rPr lang="en-US" altLang="zh-CN" sz="900">
+                <a:solidFill>
+                  <a:schemeClr val="tx1"/>
+                </a:solidFill>
+              </a:rPr>
+              <a:t>ziplist</a:t>
+            </a:r>
+            <a:endParaRPr lang="zh-CN" altLang="en-US" sz="900">
+              <a:solidFill>
+                <a:schemeClr val="tx1"/>
+              </a:solidFill>
+            </a:endParaRPr>
+          </a:p>
+        </p:txBody>
+      </p:sp>
+      <p:cxnSp>
+        <p:nvCxnSpPr>
+          <p:cNvPr id="9" name="直接箭头连接符 8">
+            <a:extLst>
+              <a:ext uri="{FF2B5EF4-FFF2-40B4-BE49-F238E27FC236}">
+                <a16:creationId xmlns:a16="http://schemas.microsoft.com/office/drawing/2014/main" id="{5FF47982-C0A5-A933-59DB-DAFF21322E0B}"/>
+              </a:ext>
+            </a:extLst>
+          </p:cNvPr>
+          <p:cNvCxnSpPr>
+            <a:stCxn id="3" idx="3"/>
+            <a:endCxn id="5" idx="1"/>
+          </p:cNvCxnSpPr>
+          <p:nvPr/>
+        </p:nvCxnSpPr>
+        <p:spPr>
+          <a:xfrm>
+            <a:off x="1468819" y="1990898"/>
+            <a:ext cx="518159" cy="0"/>
+          </a:xfrm>
+          <a:prstGeom prst="straightConnector1">
+            <a:avLst/>
+          </a:prstGeom>
+          <a:ln>
+            <a:headEnd type="triangle"/>
+            <a:tailEnd type="triangle"/>
+          </a:ln>
+        </p:spPr>
+        <p:style>
+          <a:lnRef idx="1">
+            <a:schemeClr val="dk1"/>
+          </a:lnRef>
+          <a:fillRef idx="0">
+            <a:schemeClr val="dk1"/>
+          </a:fillRef>
+          <a:effectRef idx="0">
+            <a:schemeClr val="dk1"/>
+          </a:effectRef>
+          <a:fontRef idx="minor">
+            <a:schemeClr val="tx1"/>
+          </a:fontRef>
+        </p:style>
+      </p:cxnSp>
+      <p:cxnSp>
+        <p:nvCxnSpPr>
+          <p:cNvPr id="10" name="直接箭头连接符 9">
+            <a:extLst>
+              <a:ext uri="{FF2B5EF4-FFF2-40B4-BE49-F238E27FC236}">
+                <a16:creationId xmlns:a16="http://schemas.microsoft.com/office/drawing/2014/main" id="{402B7044-BDEA-84F3-2B66-D3B7B150D4AC}"/>
+              </a:ext>
+            </a:extLst>
+          </p:cNvPr>
+          <p:cNvCxnSpPr>
+            <a:stCxn id="5" idx="3"/>
+            <a:endCxn id="6" idx="1"/>
+          </p:cNvCxnSpPr>
+          <p:nvPr/>
+        </p:nvCxnSpPr>
+        <p:spPr>
+          <a:xfrm>
+            <a:off x="2643684" y="1990898"/>
+            <a:ext cx="518159" cy="0"/>
+          </a:xfrm>
+          <a:prstGeom prst="straightConnector1">
+            <a:avLst/>
+          </a:prstGeom>
+          <a:ln>
+            <a:headEnd type="triangle"/>
+            <a:tailEnd type="triangle"/>
+          </a:ln>
+        </p:spPr>
+        <p:style>
+          <a:lnRef idx="1">
+            <a:schemeClr val="dk1"/>
+          </a:lnRef>
+          <a:fillRef idx="0">
+            <a:schemeClr val="dk1"/>
+          </a:fillRef>
+          <a:effectRef idx="0">
+            <a:schemeClr val="dk1"/>
+          </a:effectRef>
+          <a:fontRef idx="minor">
+            <a:schemeClr val="tx1"/>
+          </a:fontRef>
+        </p:style>
+      </p:cxnSp>
+      <p:cxnSp>
+        <p:nvCxnSpPr>
+          <p:cNvPr id="11" name="直接箭头连接符 10">
+            <a:extLst>
+              <a:ext uri="{FF2B5EF4-FFF2-40B4-BE49-F238E27FC236}">
+                <a16:creationId xmlns:a16="http://schemas.microsoft.com/office/drawing/2014/main" id="{FB37CCEF-A23A-67F5-0203-A528C6E8572A}"/>
+              </a:ext>
+            </a:extLst>
+          </p:cNvPr>
+          <p:cNvCxnSpPr>
+            <a:stCxn id="6" idx="3"/>
+            <a:endCxn id="7" idx="1"/>
+          </p:cNvCxnSpPr>
+          <p:nvPr/>
+        </p:nvCxnSpPr>
+        <p:spPr>
+          <a:xfrm>
+            <a:off x="3818549" y="1990898"/>
+            <a:ext cx="518159" cy="0"/>
+          </a:xfrm>
+          <a:prstGeom prst="straightConnector1">
+            <a:avLst/>
+          </a:prstGeom>
+          <a:ln>
+            <a:headEnd type="triangle"/>
+            <a:tailEnd type="triangle"/>
+          </a:ln>
+        </p:spPr>
+        <p:style>
+          <a:lnRef idx="1">
+            <a:schemeClr val="dk1"/>
+          </a:lnRef>
+          <a:fillRef idx="0">
+            <a:schemeClr val="dk1"/>
+          </a:fillRef>
+          <a:effectRef idx="0">
+            <a:schemeClr val="dk1"/>
+          </a:effectRef>
+          <a:fontRef idx="minor">
+            <a:schemeClr val="tx1"/>
+          </a:fontRef>
+        </p:style>
+      </p:cxnSp>
+      <p:cxnSp>
+        <p:nvCxnSpPr>
+          <p:cNvPr id="12" name="直接箭头连接符 11">
+            <a:extLst>
+              <a:ext uri="{FF2B5EF4-FFF2-40B4-BE49-F238E27FC236}">
+                <a16:creationId xmlns:a16="http://schemas.microsoft.com/office/drawing/2014/main" id="{E07AB385-7864-06E5-CDD0-289E9C060821}"/>
+              </a:ext>
+            </a:extLst>
+          </p:cNvPr>
+          <p:cNvCxnSpPr>
+            <a:stCxn id="7" idx="3"/>
+            <a:endCxn id="8" idx="1"/>
+          </p:cNvCxnSpPr>
+          <p:nvPr/>
+        </p:nvCxnSpPr>
+        <p:spPr>
+          <a:xfrm>
+            <a:off x="4993414" y="1990898"/>
+            <a:ext cx="518159" cy="0"/>
+          </a:xfrm>
+          <a:prstGeom prst="straightConnector1">
+            <a:avLst/>
+          </a:prstGeom>
+          <a:ln>
+            <a:headEnd type="triangle"/>
+            <a:tailEnd type="triangle"/>
+          </a:ln>
+        </p:spPr>
+        <p:style>
+          <a:lnRef idx="1">
+            <a:schemeClr val="dk1"/>
+          </a:lnRef>
+          <a:fillRef idx="0">
+            <a:schemeClr val="dk1"/>
+          </a:fillRef>
+          <a:effectRef idx="0">
+            <a:schemeClr val="dk1"/>
+          </a:effectRef>
+          <a:fontRef idx="minor">
+            <a:schemeClr val="tx1"/>
+          </a:fontRef>
+        </p:style>
+      </p:cxnSp>
+      <p:sp>
+        <p:nvSpPr>
+          <p:cNvPr id="13" name="矩形 12">
+            <a:extLst>
+              <a:ext uri="{FF2B5EF4-FFF2-40B4-BE49-F238E27FC236}">
+                <a16:creationId xmlns:a16="http://schemas.microsoft.com/office/drawing/2014/main" id="{1DDDCA19-4E7B-6F4A-55EC-BCC5F57C4E59}"/>
+              </a:ext>
+            </a:extLst>
+          </p:cNvPr>
+          <p:cNvSpPr/>
+          <p:nvPr/>
+        </p:nvSpPr>
+        <p:spPr>
+          <a:xfrm>
+            <a:off x="7813514" y="4250750"/>
+            <a:ext cx="415638" cy="1158624"/>
+          </a:xfrm>
+          <a:prstGeom prst="rect">
+            <a:avLst/>
+          </a:prstGeom>
+          <a:solidFill>
+            <a:schemeClr val="bg1"/>
+          </a:solidFill>
+          <a:ln w="6350">
+            <a:solidFill>
+              <a:schemeClr val="tx1"/>
+            </a:solidFill>
+          </a:ln>
+        </p:spPr>
+        <p:style>
+          <a:lnRef idx="2">
+            <a:schemeClr val="accent1">
+              <a:shade val="50000"/>
+            </a:schemeClr>
+          </a:lnRef>
+          <a:fillRef idx="1">
+            <a:schemeClr val="accent1"/>
+          </a:fillRef>
+          <a:effectRef idx="0">
+            <a:schemeClr val="accent1"/>
+          </a:effectRef>
+          <a:fontRef idx="minor">
+            <a:schemeClr val="lt1"/>
+          </a:fontRef>
+        </p:style>
+        <p:txBody>
+          <a:bodyPr rtlCol="0" anchor="ctr"/>
+          <a:lstStyle/>
+          <a:p>
+            <a:pPr algn="ctr"/>
+            <a:endParaRPr lang="zh-CN" altLang="en-US"/>
+          </a:p>
+        </p:txBody>
+      </p:sp>
+      <p:sp>
+        <p:nvSpPr>
+          <p:cNvPr id="14" name="矩形 13">
+            <a:extLst>
+              <a:ext uri="{FF2B5EF4-FFF2-40B4-BE49-F238E27FC236}">
+                <a16:creationId xmlns:a16="http://schemas.microsoft.com/office/drawing/2014/main" id="{416BC08C-5EFA-511B-DA67-4F3F65EA506A}"/>
+              </a:ext>
+            </a:extLst>
+          </p:cNvPr>
+          <p:cNvSpPr/>
+          <p:nvPr/>
+        </p:nvSpPr>
+        <p:spPr>
+          <a:xfrm>
+            <a:off x="5835084" y="4250750"/>
+            <a:ext cx="415638" cy="1158624"/>
+          </a:xfrm>
+          <a:prstGeom prst="rect">
+            <a:avLst/>
+          </a:prstGeom>
+          <a:solidFill>
+            <a:schemeClr val="bg1"/>
+          </a:solidFill>
+          <a:ln w="6350">
+            <a:solidFill>
+              <a:schemeClr val="tx1"/>
+            </a:solidFill>
+          </a:ln>
+        </p:spPr>
+        <p:style>
+          <a:lnRef idx="2">
+            <a:schemeClr val="accent1">
+              <a:shade val="50000"/>
+            </a:schemeClr>
+          </a:lnRef>
+          <a:fillRef idx="1">
+            <a:schemeClr val="accent1"/>
+          </a:fillRef>
+          <a:effectRef idx="0">
+            <a:schemeClr val="accent1"/>
+          </a:effectRef>
+          <a:fontRef idx="minor">
+            <a:schemeClr val="lt1"/>
+          </a:fontRef>
+        </p:style>
+        <p:txBody>
+          <a:bodyPr rtlCol="0" anchor="ctr"/>
+          <a:lstStyle/>
+          <a:p>
+            <a:pPr algn="ctr"/>
+            <a:endParaRPr lang="zh-CN" altLang="en-US"/>
+          </a:p>
+        </p:txBody>
+      </p:sp>
+      <p:sp>
+        <p:nvSpPr>
+          <p:cNvPr id="15" name="矩形 14">
+            <a:extLst>
+              <a:ext uri="{FF2B5EF4-FFF2-40B4-BE49-F238E27FC236}">
+                <a16:creationId xmlns:a16="http://schemas.microsoft.com/office/drawing/2014/main" id="{DCB3F76C-95CD-59BE-C9DF-1B80DFEC40ED}"/>
+              </a:ext>
+            </a:extLst>
+          </p:cNvPr>
+          <p:cNvSpPr/>
+          <p:nvPr/>
+        </p:nvSpPr>
+        <p:spPr>
+          <a:xfrm>
+            <a:off x="3856654" y="3528346"/>
+            <a:ext cx="415638" cy="1881030"/>
+          </a:xfrm>
+          <a:prstGeom prst="rect">
+            <a:avLst/>
+          </a:prstGeom>
+          <a:solidFill>
+            <a:schemeClr val="bg1"/>
+          </a:solidFill>
+          <a:ln w="6350">
+            <a:solidFill>
+              <a:schemeClr val="tx1"/>
+            </a:solidFill>
+          </a:ln>
+        </p:spPr>
+        <p:style>
+          <a:lnRef idx="2">
+            <a:schemeClr val="accent1">
+              <a:shade val="50000"/>
+            </a:schemeClr>
+          </a:lnRef>
+          <a:fillRef idx="1">
+            <a:schemeClr val="accent1"/>
+          </a:fillRef>
+          <a:effectRef idx="0">
+            <a:schemeClr val="accent1"/>
+          </a:effectRef>
+          <a:fontRef idx="minor">
+            <a:schemeClr val="lt1"/>
+          </a:fontRef>
+        </p:style>
+        <p:txBody>
+          <a:bodyPr rtlCol="0" anchor="ctr"/>
+          <a:lstStyle/>
+          <a:p>
+            <a:pPr algn="ctr"/>
+            <a:endParaRPr lang="zh-CN" altLang="en-US"/>
+          </a:p>
+        </p:txBody>
+      </p:sp>
+      <p:sp>
+        <p:nvSpPr>
+          <p:cNvPr id="16" name="矩形 15">
+            <a:extLst>
+              <a:ext uri="{FF2B5EF4-FFF2-40B4-BE49-F238E27FC236}">
+                <a16:creationId xmlns:a16="http://schemas.microsoft.com/office/drawing/2014/main" id="{5E8CFDF1-D5D5-046B-5887-CDA35A9096F2}"/>
+              </a:ext>
+            </a:extLst>
+          </p:cNvPr>
+          <p:cNvSpPr/>
+          <p:nvPr/>
+        </p:nvSpPr>
+        <p:spPr>
+          <a:xfrm>
+            <a:off x="1691188" y="3528346"/>
+            <a:ext cx="415638" cy="1881030"/>
+          </a:xfrm>
+          <a:prstGeom prst="rect">
+            <a:avLst/>
+          </a:prstGeom>
+          <a:solidFill>
+            <a:schemeClr val="bg1"/>
+          </a:solidFill>
+          <a:ln w="6350">
+            <a:solidFill>
+              <a:schemeClr val="tx1"/>
+            </a:solidFill>
+          </a:ln>
+        </p:spPr>
+        <p:style>
+          <a:lnRef idx="2">
+            <a:schemeClr val="accent1">
+              <a:shade val="50000"/>
+            </a:schemeClr>
+          </a:lnRef>
+          <a:fillRef idx="1">
+            <a:schemeClr val="accent1"/>
+          </a:fillRef>
+          <a:effectRef idx="0">
+            <a:schemeClr val="accent1"/>
+          </a:effectRef>
+          <a:fontRef idx="minor">
+            <a:schemeClr val="lt1"/>
+          </a:fontRef>
+        </p:style>
+        <p:txBody>
+          <a:bodyPr rtlCol="0" anchor="ctr"/>
+          <a:lstStyle/>
+          <a:p>
+            <a:pPr algn="ctr"/>
+            <a:endParaRPr lang="zh-CN" altLang="en-US"/>
+          </a:p>
+        </p:txBody>
+      </p:sp>
+      <p:sp>
+        <p:nvSpPr>
+          <p:cNvPr id="17" name="文本框 16">
+            <a:extLst>
+              <a:ext uri="{FF2B5EF4-FFF2-40B4-BE49-F238E27FC236}">
+                <a16:creationId xmlns:a16="http://schemas.microsoft.com/office/drawing/2014/main" id="{1BF3B715-9D42-E6F4-670A-C33F40591E6E}"/>
+              </a:ext>
+            </a:extLst>
+          </p:cNvPr>
+          <p:cNvSpPr txBox="1"/>
+          <p:nvPr/>
+        </p:nvSpPr>
+        <p:spPr>
+          <a:xfrm>
+            <a:off x="841209" y="2816612"/>
+            <a:ext cx="1379913" cy="246221"/>
+          </a:xfrm>
+          <a:prstGeom prst="rect">
+            <a:avLst/>
+          </a:prstGeom>
+          <a:noFill/>
+        </p:spPr>
+        <p:txBody>
+          <a:bodyPr wrap="square" rtlCol="0">
+            <a:spAutoFit/>
+          </a:bodyPr>
+          <a:lstStyle/>
+          <a:p>
+            <a:r>
+              <a:rPr lang="zh-CN" altLang="en-US" sz="1000"/>
+              <a:t>查找值为 </a:t>
+            </a:r>
+            <a:r>
+              <a:rPr lang="en-US" altLang="zh-CN" sz="1000"/>
+              <a:t>51 </a:t>
+            </a:r>
+            <a:r>
+              <a:rPr lang="zh-CN" altLang="en-US" sz="1000"/>
+              <a:t>的元素</a:t>
+            </a:r>
+          </a:p>
+        </p:txBody>
+      </p:sp>
+      <p:sp>
+        <p:nvSpPr>
+          <p:cNvPr id="18" name="椭圆 17">
+            <a:extLst>
+              <a:ext uri="{FF2B5EF4-FFF2-40B4-BE49-F238E27FC236}">
+                <a16:creationId xmlns:a16="http://schemas.microsoft.com/office/drawing/2014/main" id="{E5C6F9BD-0EB1-5CEC-D073-CEC31BDA2064}"/>
+              </a:ext>
+            </a:extLst>
+          </p:cNvPr>
+          <p:cNvSpPr/>
+          <p:nvPr/>
+        </p:nvSpPr>
+        <p:spPr>
+          <a:xfrm>
+            <a:off x="3856655" y="5029378"/>
+            <a:ext cx="415637" cy="380001"/>
+          </a:xfrm>
+          <a:prstGeom prst="ellipse">
+            <a:avLst/>
+          </a:prstGeom>
+          <a:solidFill>
+            <a:schemeClr val="bg1"/>
+          </a:solidFill>
+          <a:ln w="9525">
+            <a:solidFill>
+              <a:schemeClr val="tx1"/>
+            </a:solidFill>
+          </a:ln>
+        </p:spPr>
+        <p:style>
+          <a:lnRef idx="2">
+            <a:schemeClr val="accent1">
+              <a:shade val="50000"/>
+            </a:schemeClr>
+          </a:lnRef>
+          <a:fillRef idx="1">
+            <a:schemeClr val="accent1"/>
+          </a:fillRef>
+          <a:effectRef idx="0">
+            <a:schemeClr val="accent1"/>
+          </a:effectRef>
+          <a:fontRef idx="minor">
+            <a:schemeClr val="lt1"/>
+          </a:fontRef>
+        </p:style>
+        <p:txBody>
+          <a:bodyPr rtlCol="0" anchor="ctr"/>
+          <a:lstStyle/>
+          <a:p>
+            <a:pPr algn="ctr"/>
+            <a:r>
+              <a:rPr lang="en-US" altLang="zh-CN" sz="800">
+                <a:solidFill>
+                  <a:schemeClr val="tx1"/>
+                </a:solidFill>
+              </a:rPr>
+              <a:t>21</a:t>
+            </a:r>
+            <a:endParaRPr lang="zh-CN" altLang="en-US" sz="800">
+              <a:solidFill>
+                <a:schemeClr val="tx1"/>
+              </a:solidFill>
+            </a:endParaRPr>
+          </a:p>
+        </p:txBody>
+      </p:sp>
+      <p:sp>
+        <p:nvSpPr>
+          <p:cNvPr id="19" name="椭圆 18">
+            <a:extLst>
+              <a:ext uri="{FF2B5EF4-FFF2-40B4-BE49-F238E27FC236}">
+                <a16:creationId xmlns:a16="http://schemas.microsoft.com/office/drawing/2014/main" id="{66BF3838-CF7B-488D-481A-F16E644B17E7}"/>
+              </a:ext>
+            </a:extLst>
+          </p:cNvPr>
+          <p:cNvSpPr/>
+          <p:nvPr/>
+        </p:nvSpPr>
+        <p:spPr>
+          <a:xfrm>
+            <a:off x="1691188" y="5029378"/>
+            <a:ext cx="415637" cy="380001"/>
+          </a:xfrm>
+          <a:prstGeom prst="ellipse">
+            <a:avLst/>
+          </a:prstGeom>
+          <a:solidFill>
+            <a:schemeClr val="bg1"/>
+          </a:solidFill>
+          <a:ln w="9525">
+            <a:solidFill>
+              <a:schemeClr val="tx1"/>
+            </a:solidFill>
+          </a:ln>
+        </p:spPr>
+        <p:style>
+          <a:lnRef idx="2">
+            <a:schemeClr val="accent1">
+              <a:shade val="50000"/>
+            </a:schemeClr>
+          </a:lnRef>
+          <a:fillRef idx="1">
+            <a:schemeClr val="accent1"/>
+          </a:fillRef>
+          <a:effectRef idx="0">
+            <a:schemeClr val="accent1"/>
+          </a:effectRef>
+          <a:fontRef idx="minor">
+            <a:schemeClr val="lt1"/>
+          </a:fontRef>
+        </p:style>
+        <p:txBody>
+          <a:bodyPr rtlCol="0" anchor="ctr"/>
+          <a:lstStyle/>
+          <a:p>
+            <a:pPr algn="ctr"/>
+            <a:r>
+              <a:rPr lang="en-US" altLang="zh-CN" sz="800">
+                <a:solidFill>
+                  <a:schemeClr val="tx1"/>
+                </a:solidFill>
+              </a:rPr>
+              <a:t>1</a:t>
+            </a:r>
+            <a:endParaRPr lang="zh-CN" altLang="en-US" sz="800">
+              <a:solidFill>
+                <a:schemeClr val="tx1"/>
+              </a:solidFill>
+            </a:endParaRPr>
+          </a:p>
+        </p:txBody>
+      </p:sp>
+      <p:sp>
+        <p:nvSpPr>
+          <p:cNvPr id="20" name="椭圆 19">
+            <a:extLst>
+              <a:ext uri="{FF2B5EF4-FFF2-40B4-BE49-F238E27FC236}">
+                <a16:creationId xmlns:a16="http://schemas.microsoft.com/office/drawing/2014/main" id="{EDCC0255-FB4A-F034-7A64-E37C7D110425}"/>
+              </a:ext>
+            </a:extLst>
+          </p:cNvPr>
+          <p:cNvSpPr/>
+          <p:nvPr/>
+        </p:nvSpPr>
+        <p:spPr>
+          <a:xfrm>
+            <a:off x="4845870" y="5029377"/>
+            <a:ext cx="415637" cy="380001"/>
+          </a:xfrm>
+          <a:prstGeom prst="ellipse">
+            <a:avLst/>
+          </a:prstGeom>
+          <a:solidFill>
+            <a:schemeClr val="bg1"/>
+          </a:solidFill>
+          <a:ln w="9525">
+            <a:solidFill>
+              <a:schemeClr val="tx1"/>
+            </a:solidFill>
+          </a:ln>
+        </p:spPr>
+        <p:style>
+          <a:lnRef idx="2">
+            <a:schemeClr val="accent1">
+              <a:shade val="50000"/>
+            </a:schemeClr>
+          </a:lnRef>
+          <a:fillRef idx="1">
+            <a:schemeClr val="accent1"/>
+          </a:fillRef>
+          <a:effectRef idx="0">
+            <a:schemeClr val="accent1"/>
+          </a:effectRef>
+          <a:fontRef idx="minor">
+            <a:schemeClr val="lt1"/>
+          </a:fontRef>
+        </p:style>
+        <p:txBody>
+          <a:bodyPr rtlCol="0" anchor="ctr"/>
+          <a:lstStyle/>
+          <a:p>
+            <a:pPr algn="ctr"/>
+            <a:r>
+              <a:rPr lang="en-US" altLang="zh-CN" sz="800">
+                <a:solidFill>
+                  <a:schemeClr val="tx1"/>
+                </a:solidFill>
+              </a:rPr>
+              <a:t>31</a:t>
+            </a:r>
+            <a:endParaRPr lang="zh-CN" altLang="en-US" sz="800">
+              <a:solidFill>
+                <a:schemeClr val="tx1"/>
+              </a:solidFill>
+            </a:endParaRPr>
+          </a:p>
+        </p:txBody>
+      </p:sp>
+      <p:sp>
+        <p:nvSpPr>
+          <p:cNvPr id="21" name="椭圆 20">
+            <a:extLst>
+              <a:ext uri="{FF2B5EF4-FFF2-40B4-BE49-F238E27FC236}">
+                <a16:creationId xmlns:a16="http://schemas.microsoft.com/office/drawing/2014/main" id="{B5EC449E-BD3A-375B-2D55-55D5E9395A89}"/>
+              </a:ext>
+            </a:extLst>
+          </p:cNvPr>
+          <p:cNvSpPr/>
+          <p:nvPr/>
+        </p:nvSpPr>
+        <p:spPr>
+          <a:xfrm>
+            <a:off x="5835085" y="5029377"/>
+            <a:ext cx="415637" cy="380001"/>
+          </a:xfrm>
+          <a:prstGeom prst="ellipse">
+            <a:avLst/>
+          </a:prstGeom>
+          <a:solidFill>
+            <a:schemeClr val="bg1"/>
+          </a:solidFill>
+          <a:ln w="9525">
+            <a:solidFill>
+              <a:schemeClr val="tx1"/>
+            </a:solidFill>
+          </a:ln>
+        </p:spPr>
+        <p:style>
+          <a:lnRef idx="2">
+            <a:schemeClr val="accent1">
+              <a:shade val="50000"/>
+            </a:schemeClr>
+          </a:lnRef>
+          <a:fillRef idx="1">
+            <a:schemeClr val="accent1"/>
+          </a:fillRef>
+          <a:effectRef idx="0">
+            <a:schemeClr val="accent1"/>
+          </a:effectRef>
+          <a:fontRef idx="minor">
+            <a:schemeClr val="lt1"/>
+          </a:fontRef>
+        </p:style>
+        <p:txBody>
+          <a:bodyPr rtlCol="0" anchor="ctr"/>
+          <a:lstStyle/>
+          <a:p>
+            <a:pPr algn="ctr"/>
+            <a:r>
+              <a:rPr lang="en-US" altLang="zh-CN" sz="800">
+                <a:solidFill>
+                  <a:schemeClr val="tx1"/>
+                </a:solidFill>
+              </a:rPr>
+              <a:t>41</a:t>
+            </a:r>
+            <a:endParaRPr lang="zh-CN" altLang="en-US" sz="800">
+              <a:solidFill>
+                <a:schemeClr val="tx1"/>
+              </a:solidFill>
+            </a:endParaRPr>
+          </a:p>
+        </p:txBody>
+      </p:sp>
+      <p:sp>
+        <p:nvSpPr>
+          <p:cNvPr id="22" name="椭圆 21">
+            <a:extLst>
+              <a:ext uri="{FF2B5EF4-FFF2-40B4-BE49-F238E27FC236}">
+                <a16:creationId xmlns:a16="http://schemas.microsoft.com/office/drawing/2014/main" id="{BE5ACCC1-46AC-D75B-834E-E61045153741}"/>
+              </a:ext>
+            </a:extLst>
+          </p:cNvPr>
+          <p:cNvSpPr/>
+          <p:nvPr/>
+        </p:nvSpPr>
+        <p:spPr>
+          <a:xfrm>
+            <a:off x="6824300" y="5029377"/>
+            <a:ext cx="415637" cy="380001"/>
+          </a:xfrm>
+          <a:prstGeom prst="ellipse">
+            <a:avLst/>
+          </a:prstGeom>
+          <a:solidFill>
+            <a:schemeClr val="bg1"/>
+          </a:solidFill>
+          <a:ln w="9525">
+            <a:solidFill>
+              <a:schemeClr val="tx1"/>
+            </a:solidFill>
+          </a:ln>
+        </p:spPr>
+        <p:style>
+          <a:lnRef idx="2">
+            <a:schemeClr val="accent1">
+              <a:shade val="50000"/>
+            </a:schemeClr>
+          </a:lnRef>
+          <a:fillRef idx="1">
+            <a:schemeClr val="accent1"/>
+          </a:fillRef>
+          <a:effectRef idx="0">
+            <a:schemeClr val="accent1"/>
+          </a:effectRef>
+          <a:fontRef idx="minor">
+            <a:schemeClr val="lt1"/>
+          </a:fontRef>
+        </p:style>
+        <p:txBody>
+          <a:bodyPr rtlCol="0" anchor="ctr"/>
+          <a:lstStyle/>
+          <a:p>
+            <a:pPr algn="ctr"/>
+            <a:r>
+              <a:rPr lang="en-US" altLang="zh-CN" sz="800">
+                <a:solidFill>
+                  <a:schemeClr val="tx1"/>
+                </a:solidFill>
+              </a:rPr>
+              <a:t>51</a:t>
+            </a:r>
+            <a:endParaRPr lang="zh-CN" altLang="en-US" sz="800">
+              <a:solidFill>
+                <a:schemeClr val="tx1"/>
+              </a:solidFill>
+            </a:endParaRPr>
+          </a:p>
+        </p:txBody>
+      </p:sp>
+      <p:cxnSp>
+        <p:nvCxnSpPr>
+          <p:cNvPr id="23" name="直接箭头连接符 22">
+            <a:extLst>
+              <a:ext uri="{FF2B5EF4-FFF2-40B4-BE49-F238E27FC236}">
+                <a16:creationId xmlns:a16="http://schemas.microsoft.com/office/drawing/2014/main" id="{E4D7B747-ECA1-95FD-5242-990BF5BD6757}"/>
+              </a:ext>
+            </a:extLst>
+          </p:cNvPr>
+          <p:cNvCxnSpPr>
+            <a:cxnSpLocks/>
+            <a:stCxn id="19" idx="6"/>
+            <a:endCxn id="45" idx="2"/>
+          </p:cNvCxnSpPr>
+          <p:nvPr/>
+        </p:nvCxnSpPr>
+        <p:spPr>
+          <a:xfrm flipV="1">
+            <a:off x="2106825" y="5219376"/>
+            <a:ext cx="667096" cy="3"/>
+          </a:xfrm>
+          <a:prstGeom prst="straightConnector1">
+            <a:avLst/>
+          </a:prstGeom>
+          <a:ln>
+            <a:tailEnd type="triangle"/>
+          </a:ln>
+        </p:spPr>
+        <p:style>
+          <a:lnRef idx="1">
+            <a:schemeClr val="dk1"/>
+          </a:lnRef>
+          <a:fillRef idx="0">
+            <a:schemeClr val="dk1"/>
+          </a:fillRef>
+          <a:effectRef idx="0">
+            <a:schemeClr val="dk1"/>
+          </a:effectRef>
+          <a:fontRef idx="minor">
+            <a:schemeClr val="tx1"/>
+          </a:fontRef>
+        </p:style>
+      </p:cxnSp>
+      <p:cxnSp>
+        <p:nvCxnSpPr>
+          <p:cNvPr id="24" name="直接箭头连接符 23">
+            <a:extLst>
+              <a:ext uri="{FF2B5EF4-FFF2-40B4-BE49-F238E27FC236}">
+                <a16:creationId xmlns:a16="http://schemas.microsoft.com/office/drawing/2014/main" id="{5A252B85-471E-E812-77F6-2A4333AC984C}"/>
+              </a:ext>
+            </a:extLst>
+          </p:cNvPr>
+          <p:cNvCxnSpPr>
+            <a:stCxn id="18" idx="6"/>
+            <a:endCxn id="20" idx="2"/>
+          </p:cNvCxnSpPr>
+          <p:nvPr/>
+        </p:nvCxnSpPr>
+        <p:spPr>
+          <a:xfrm flipV="1">
+            <a:off x="4272292" y="5219378"/>
+            <a:ext cx="573578" cy="1"/>
+          </a:xfrm>
+          <a:prstGeom prst="straightConnector1">
+            <a:avLst/>
+          </a:prstGeom>
+          <a:ln>
+            <a:tailEnd type="triangle"/>
+          </a:ln>
+        </p:spPr>
+        <p:style>
+          <a:lnRef idx="1">
+            <a:schemeClr val="dk1"/>
+          </a:lnRef>
+          <a:fillRef idx="0">
+            <a:schemeClr val="dk1"/>
+          </a:fillRef>
+          <a:effectRef idx="0">
+            <a:schemeClr val="dk1"/>
+          </a:effectRef>
+          <a:fontRef idx="minor">
+            <a:schemeClr val="tx1"/>
+          </a:fontRef>
+        </p:style>
+      </p:cxnSp>
+      <p:cxnSp>
+        <p:nvCxnSpPr>
+          <p:cNvPr id="25" name="直接箭头连接符 24">
+            <a:extLst>
+              <a:ext uri="{FF2B5EF4-FFF2-40B4-BE49-F238E27FC236}">
+                <a16:creationId xmlns:a16="http://schemas.microsoft.com/office/drawing/2014/main" id="{DEC26777-C6AB-4F08-7D8D-7098D77235B2}"/>
+              </a:ext>
+            </a:extLst>
+          </p:cNvPr>
+          <p:cNvCxnSpPr>
+            <a:stCxn id="20" idx="6"/>
+            <a:endCxn id="21" idx="2"/>
+          </p:cNvCxnSpPr>
+          <p:nvPr/>
+        </p:nvCxnSpPr>
+        <p:spPr>
+          <a:xfrm>
+            <a:off x="5261507" y="5219378"/>
+            <a:ext cx="573578" cy="0"/>
+          </a:xfrm>
+          <a:prstGeom prst="straightConnector1">
+            <a:avLst/>
+          </a:prstGeom>
+          <a:ln>
+            <a:tailEnd type="triangle"/>
+          </a:ln>
+        </p:spPr>
+        <p:style>
+          <a:lnRef idx="1">
+            <a:schemeClr val="dk1"/>
+          </a:lnRef>
+          <a:fillRef idx="0">
+            <a:schemeClr val="dk1"/>
+          </a:fillRef>
+          <a:effectRef idx="0">
+            <a:schemeClr val="dk1"/>
+          </a:effectRef>
+          <a:fontRef idx="minor">
+            <a:schemeClr val="tx1"/>
+          </a:fontRef>
+        </p:style>
+      </p:cxnSp>
+      <p:cxnSp>
+        <p:nvCxnSpPr>
+          <p:cNvPr id="26" name="直接箭头连接符 25">
+            <a:extLst>
+              <a:ext uri="{FF2B5EF4-FFF2-40B4-BE49-F238E27FC236}">
+                <a16:creationId xmlns:a16="http://schemas.microsoft.com/office/drawing/2014/main" id="{784A0FD7-2CA0-A11F-6DE0-121ECCBA0338}"/>
+              </a:ext>
+            </a:extLst>
+          </p:cNvPr>
+          <p:cNvCxnSpPr>
+            <a:stCxn id="21" idx="6"/>
+            <a:endCxn id="22" idx="2"/>
+          </p:cNvCxnSpPr>
+          <p:nvPr/>
+        </p:nvCxnSpPr>
+        <p:spPr>
+          <a:xfrm>
+            <a:off x="6250722" y="5219378"/>
+            <a:ext cx="573578" cy="0"/>
+          </a:xfrm>
+          <a:prstGeom prst="straightConnector1">
+            <a:avLst/>
+          </a:prstGeom>
+          <a:ln>
+            <a:solidFill>
+              <a:srgbClr val="FF0000"/>
+            </a:solidFill>
+            <a:tailEnd type="triangle"/>
+          </a:ln>
+        </p:spPr>
+        <p:style>
+          <a:lnRef idx="1">
+            <a:schemeClr val="dk1"/>
+          </a:lnRef>
+          <a:fillRef idx="0">
+            <a:schemeClr val="dk1"/>
+          </a:fillRef>
+          <a:effectRef idx="0">
+            <a:schemeClr val="dk1"/>
+          </a:effectRef>
+          <a:fontRef idx="minor">
+            <a:schemeClr val="tx1"/>
+          </a:fontRef>
+        </p:style>
+      </p:cxnSp>
+      <p:sp>
+        <p:nvSpPr>
+          <p:cNvPr id="27" name="文本框 26">
+            <a:extLst>
+              <a:ext uri="{FF2B5EF4-FFF2-40B4-BE49-F238E27FC236}">
+                <a16:creationId xmlns:a16="http://schemas.microsoft.com/office/drawing/2014/main" id="{734947CE-B619-0994-CBE7-67697A115D86}"/>
+              </a:ext>
+            </a:extLst>
+          </p:cNvPr>
+          <p:cNvSpPr txBox="1"/>
+          <p:nvPr/>
+        </p:nvSpPr>
+        <p:spPr>
+          <a:xfrm>
+            <a:off x="8802730" y="5096266"/>
+            <a:ext cx="1379913" cy="246221"/>
+          </a:xfrm>
+          <a:prstGeom prst="rect">
+            <a:avLst/>
+          </a:prstGeom>
+          <a:noFill/>
+        </p:spPr>
+        <p:txBody>
+          <a:bodyPr wrap="square" rtlCol="0">
+            <a:spAutoFit/>
+          </a:bodyPr>
+          <a:lstStyle/>
+          <a:p>
+            <a:r>
+              <a:rPr lang="en-US" altLang="zh-CN" sz="1000"/>
+              <a:t>NULL</a:t>
+            </a:r>
+            <a:endParaRPr lang="zh-CN" altLang="en-US" sz="1000"/>
+          </a:p>
+        </p:txBody>
+      </p:sp>
+      <p:cxnSp>
+        <p:nvCxnSpPr>
+          <p:cNvPr id="28" name="直接箭头连接符 27">
+            <a:extLst>
+              <a:ext uri="{FF2B5EF4-FFF2-40B4-BE49-F238E27FC236}">
+                <a16:creationId xmlns:a16="http://schemas.microsoft.com/office/drawing/2014/main" id="{9EA2C268-CD41-98AC-F28D-1D29333C3251}"/>
+              </a:ext>
+            </a:extLst>
+          </p:cNvPr>
+          <p:cNvCxnSpPr>
+            <a:cxnSpLocks/>
+            <a:stCxn id="29" idx="6"/>
+            <a:endCxn id="27" idx="1"/>
+          </p:cNvCxnSpPr>
+          <p:nvPr/>
+        </p:nvCxnSpPr>
+        <p:spPr>
+          <a:xfrm>
+            <a:off x="8229152" y="5219376"/>
+            <a:ext cx="573578" cy="1"/>
+          </a:xfrm>
+          <a:prstGeom prst="straightConnector1">
+            <a:avLst/>
+          </a:prstGeom>
+          <a:ln>
+            <a:tailEnd type="triangle"/>
+          </a:ln>
+        </p:spPr>
+        <p:style>
+          <a:lnRef idx="1">
+            <a:schemeClr val="dk1"/>
+          </a:lnRef>
+          <a:fillRef idx="0">
+            <a:schemeClr val="dk1"/>
+          </a:fillRef>
+          <a:effectRef idx="0">
+            <a:schemeClr val="dk1"/>
+          </a:effectRef>
+          <a:fontRef idx="minor">
+            <a:schemeClr val="tx1"/>
+          </a:fontRef>
+        </p:style>
+      </p:cxnSp>
+      <p:sp>
+        <p:nvSpPr>
+          <p:cNvPr id="29" name="椭圆 28">
+            <a:extLst>
+              <a:ext uri="{FF2B5EF4-FFF2-40B4-BE49-F238E27FC236}">
+                <a16:creationId xmlns:a16="http://schemas.microsoft.com/office/drawing/2014/main" id="{87482C14-F454-99E7-5B14-BCEC032A3A7D}"/>
+              </a:ext>
+            </a:extLst>
+          </p:cNvPr>
+          <p:cNvSpPr/>
+          <p:nvPr/>
+        </p:nvSpPr>
+        <p:spPr>
+          <a:xfrm>
+            <a:off x="7813515" y="5029375"/>
+            <a:ext cx="415637" cy="380001"/>
+          </a:xfrm>
+          <a:prstGeom prst="ellipse">
+            <a:avLst/>
+          </a:prstGeom>
+          <a:solidFill>
+            <a:schemeClr val="bg1"/>
+          </a:solidFill>
+          <a:ln w="9525">
+            <a:solidFill>
+              <a:schemeClr val="tx1"/>
+            </a:solidFill>
+          </a:ln>
+        </p:spPr>
+        <p:style>
+          <a:lnRef idx="2">
+            <a:schemeClr val="accent1">
+              <a:shade val="50000"/>
+            </a:schemeClr>
+          </a:lnRef>
+          <a:fillRef idx="1">
+            <a:schemeClr val="accent1"/>
+          </a:fillRef>
+          <a:effectRef idx="0">
+            <a:schemeClr val="accent1"/>
+          </a:effectRef>
+          <a:fontRef idx="minor">
+            <a:schemeClr val="lt1"/>
+          </a:fontRef>
+        </p:style>
+        <p:txBody>
+          <a:bodyPr rtlCol="0" anchor="ctr"/>
+          <a:lstStyle/>
+          <a:p>
+            <a:pPr algn="ctr"/>
+            <a:r>
+              <a:rPr lang="en-US" altLang="zh-CN" sz="800">
+                <a:solidFill>
+                  <a:schemeClr val="tx1"/>
+                </a:solidFill>
+              </a:rPr>
+              <a:t>61</a:t>
+            </a:r>
+            <a:endParaRPr lang="zh-CN" altLang="en-US" sz="800">
+              <a:solidFill>
+                <a:schemeClr val="tx1"/>
+              </a:solidFill>
+            </a:endParaRPr>
+          </a:p>
+        </p:txBody>
+      </p:sp>
+      <p:cxnSp>
+        <p:nvCxnSpPr>
+          <p:cNvPr id="30" name="直接箭头连接符 29">
+            <a:extLst>
+              <a:ext uri="{FF2B5EF4-FFF2-40B4-BE49-F238E27FC236}">
+                <a16:creationId xmlns:a16="http://schemas.microsoft.com/office/drawing/2014/main" id="{16B2E680-17D3-6FF2-20FD-3F2367C704D3}"/>
+              </a:ext>
+            </a:extLst>
+          </p:cNvPr>
+          <p:cNvCxnSpPr>
+            <a:stCxn id="22" idx="6"/>
+            <a:endCxn id="29" idx="2"/>
+          </p:cNvCxnSpPr>
+          <p:nvPr/>
+        </p:nvCxnSpPr>
+        <p:spPr>
+          <a:xfrm flipV="1">
+            <a:off x="7239937" y="5219376"/>
+            <a:ext cx="573578" cy="2"/>
+          </a:xfrm>
+          <a:prstGeom prst="straightConnector1">
+            <a:avLst/>
+          </a:prstGeom>
+          <a:ln>
+            <a:tailEnd type="triangle"/>
+          </a:ln>
+        </p:spPr>
+        <p:style>
+          <a:lnRef idx="1">
+            <a:schemeClr val="dk1"/>
+          </a:lnRef>
+          <a:fillRef idx="0">
+            <a:schemeClr val="dk1"/>
+          </a:fillRef>
+          <a:effectRef idx="0">
+            <a:schemeClr val="dk1"/>
+          </a:effectRef>
+          <a:fontRef idx="minor">
+            <a:schemeClr val="tx1"/>
+          </a:fontRef>
+        </p:style>
+      </p:cxnSp>
+      <p:sp>
+        <p:nvSpPr>
+          <p:cNvPr id="31" name="椭圆 30">
+            <a:extLst>
+              <a:ext uri="{FF2B5EF4-FFF2-40B4-BE49-F238E27FC236}">
+                <a16:creationId xmlns:a16="http://schemas.microsoft.com/office/drawing/2014/main" id="{7CC59C99-3DA1-74C4-1671-93AA030E3E9A}"/>
+              </a:ext>
+            </a:extLst>
+          </p:cNvPr>
+          <p:cNvSpPr/>
+          <p:nvPr/>
+        </p:nvSpPr>
+        <p:spPr>
+          <a:xfrm>
+            <a:off x="3856655" y="4250753"/>
+            <a:ext cx="415637" cy="380001"/>
+          </a:xfrm>
+          <a:prstGeom prst="ellipse">
+            <a:avLst/>
+          </a:prstGeom>
+          <a:solidFill>
+            <a:schemeClr val="bg1"/>
+          </a:solidFill>
+          <a:ln w="9525">
+            <a:solidFill>
+              <a:schemeClr val="tx1"/>
+            </a:solidFill>
+          </a:ln>
+        </p:spPr>
+        <p:style>
+          <a:lnRef idx="2">
+            <a:schemeClr val="accent1">
+              <a:shade val="50000"/>
+            </a:schemeClr>
+          </a:lnRef>
+          <a:fillRef idx="1">
+            <a:schemeClr val="accent1"/>
+          </a:fillRef>
+          <a:effectRef idx="0">
+            <a:schemeClr val="accent1"/>
+          </a:effectRef>
+          <a:fontRef idx="minor">
+            <a:schemeClr val="lt1"/>
+          </a:fontRef>
+        </p:style>
+        <p:txBody>
+          <a:bodyPr rtlCol="0" anchor="ctr"/>
+          <a:lstStyle/>
+          <a:p>
+            <a:pPr algn="ctr"/>
+            <a:r>
+              <a:rPr lang="en-US" altLang="zh-CN" sz="800">
+                <a:solidFill>
+                  <a:schemeClr val="tx1"/>
+                </a:solidFill>
+              </a:rPr>
+              <a:t>21</a:t>
+            </a:r>
+            <a:endParaRPr lang="zh-CN" altLang="en-US" sz="800">
+              <a:solidFill>
+                <a:schemeClr val="tx1"/>
+              </a:solidFill>
+            </a:endParaRPr>
+          </a:p>
+        </p:txBody>
+      </p:sp>
+      <p:sp>
+        <p:nvSpPr>
+          <p:cNvPr id="32" name="椭圆 31">
+            <a:extLst>
+              <a:ext uri="{FF2B5EF4-FFF2-40B4-BE49-F238E27FC236}">
+                <a16:creationId xmlns:a16="http://schemas.microsoft.com/office/drawing/2014/main" id="{3A0CA928-D97D-5185-59AD-A5EA310F9E14}"/>
+              </a:ext>
+            </a:extLst>
+          </p:cNvPr>
+          <p:cNvSpPr/>
+          <p:nvPr/>
+        </p:nvSpPr>
+        <p:spPr>
+          <a:xfrm>
+            <a:off x="1691188" y="4250753"/>
+            <a:ext cx="415637" cy="380001"/>
+          </a:xfrm>
+          <a:prstGeom prst="ellipse">
+            <a:avLst/>
+          </a:prstGeom>
+          <a:solidFill>
+            <a:schemeClr val="bg1"/>
+          </a:solidFill>
+          <a:ln w="9525">
+            <a:solidFill>
+              <a:schemeClr val="tx1"/>
+            </a:solidFill>
+          </a:ln>
+        </p:spPr>
+        <p:style>
+          <a:lnRef idx="2">
+            <a:schemeClr val="accent1">
+              <a:shade val="50000"/>
+            </a:schemeClr>
+          </a:lnRef>
+          <a:fillRef idx="1">
+            <a:schemeClr val="accent1"/>
+          </a:fillRef>
+          <a:effectRef idx="0">
+            <a:schemeClr val="accent1"/>
+          </a:effectRef>
+          <a:fontRef idx="minor">
+            <a:schemeClr val="lt1"/>
+          </a:fontRef>
+        </p:style>
+        <p:txBody>
+          <a:bodyPr rtlCol="0" anchor="ctr"/>
+          <a:lstStyle/>
+          <a:p>
+            <a:pPr algn="ctr"/>
+            <a:r>
+              <a:rPr lang="en-US" altLang="zh-CN" sz="800">
+                <a:solidFill>
+                  <a:schemeClr val="tx1"/>
+                </a:solidFill>
+              </a:rPr>
+              <a:t>1</a:t>
+            </a:r>
+            <a:endParaRPr lang="zh-CN" altLang="en-US" sz="800">
+              <a:solidFill>
+                <a:schemeClr val="tx1"/>
+              </a:solidFill>
+            </a:endParaRPr>
+          </a:p>
+        </p:txBody>
+      </p:sp>
+      <p:sp>
+        <p:nvSpPr>
+          <p:cNvPr id="33" name="椭圆 32">
+            <a:extLst>
+              <a:ext uri="{FF2B5EF4-FFF2-40B4-BE49-F238E27FC236}">
+                <a16:creationId xmlns:a16="http://schemas.microsoft.com/office/drawing/2014/main" id="{C44F88B0-7161-1111-0FC9-A729C57BFCA3}"/>
+              </a:ext>
+            </a:extLst>
+          </p:cNvPr>
+          <p:cNvSpPr/>
+          <p:nvPr/>
+        </p:nvSpPr>
+        <p:spPr>
+          <a:xfrm>
+            <a:off x="5835085" y="4250752"/>
+            <a:ext cx="415637" cy="380001"/>
+          </a:xfrm>
+          <a:prstGeom prst="ellipse">
+            <a:avLst/>
+          </a:prstGeom>
+          <a:solidFill>
+            <a:srgbClr val="FF5050"/>
+          </a:solidFill>
+          <a:ln w="9525">
+            <a:solidFill>
+              <a:schemeClr val="tx1"/>
+            </a:solidFill>
+          </a:ln>
+        </p:spPr>
+        <p:style>
+          <a:lnRef idx="2">
+            <a:schemeClr val="accent1">
+              <a:shade val="50000"/>
+            </a:schemeClr>
+          </a:lnRef>
+          <a:fillRef idx="1">
+            <a:schemeClr val="accent1"/>
+          </a:fillRef>
+          <a:effectRef idx="0">
+            <a:schemeClr val="accent1"/>
+          </a:effectRef>
+          <a:fontRef idx="minor">
+            <a:schemeClr val="lt1"/>
+          </a:fontRef>
+        </p:style>
+        <p:txBody>
+          <a:bodyPr rtlCol="0" anchor="ctr"/>
+          <a:lstStyle/>
+          <a:p>
+            <a:pPr algn="ctr"/>
+            <a:r>
+              <a:rPr lang="en-US" altLang="zh-CN" sz="800">
+                <a:solidFill>
+                  <a:schemeClr val="bg1"/>
+                </a:solidFill>
+              </a:rPr>
+              <a:t>41</a:t>
+            </a:r>
+            <a:endParaRPr lang="zh-CN" altLang="en-US" sz="800">
+              <a:solidFill>
+                <a:schemeClr val="bg1"/>
+              </a:solidFill>
+            </a:endParaRPr>
+          </a:p>
+        </p:txBody>
+      </p:sp>
+      <p:cxnSp>
+        <p:nvCxnSpPr>
+          <p:cNvPr id="34" name="直接箭头连接符 33">
+            <a:extLst>
+              <a:ext uri="{FF2B5EF4-FFF2-40B4-BE49-F238E27FC236}">
+                <a16:creationId xmlns:a16="http://schemas.microsoft.com/office/drawing/2014/main" id="{93DCE394-A1BF-E505-684F-E048D4EE4677}"/>
+              </a:ext>
+            </a:extLst>
+          </p:cNvPr>
+          <p:cNvCxnSpPr>
+            <a:stCxn id="32" idx="6"/>
+            <a:endCxn id="31" idx="2"/>
+          </p:cNvCxnSpPr>
+          <p:nvPr/>
+        </p:nvCxnSpPr>
+        <p:spPr>
+          <a:xfrm>
+            <a:off x="2106825" y="4440754"/>
+            <a:ext cx="1749830" cy="0"/>
+          </a:xfrm>
+          <a:prstGeom prst="straightConnector1">
+            <a:avLst/>
+          </a:prstGeom>
+          <a:ln>
+            <a:tailEnd type="triangle"/>
+          </a:ln>
+        </p:spPr>
+        <p:style>
+          <a:lnRef idx="1">
+            <a:schemeClr val="dk1"/>
+          </a:lnRef>
+          <a:fillRef idx="0">
+            <a:schemeClr val="dk1"/>
+          </a:fillRef>
+          <a:effectRef idx="0">
+            <a:schemeClr val="dk1"/>
+          </a:effectRef>
+          <a:fontRef idx="minor">
+            <a:schemeClr val="tx1"/>
+          </a:fontRef>
+        </p:style>
+      </p:cxnSp>
+      <p:cxnSp>
+        <p:nvCxnSpPr>
+          <p:cNvPr id="35" name="直接箭头连接符 34">
+            <a:extLst>
+              <a:ext uri="{FF2B5EF4-FFF2-40B4-BE49-F238E27FC236}">
+                <a16:creationId xmlns:a16="http://schemas.microsoft.com/office/drawing/2014/main" id="{C0358519-C12F-8700-056F-2D7CB0EDEE23}"/>
+              </a:ext>
+            </a:extLst>
+          </p:cNvPr>
+          <p:cNvCxnSpPr>
+            <a:cxnSpLocks/>
+            <a:stCxn id="31" idx="6"/>
+            <a:endCxn id="33" idx="2"/>
+          </p:cNvCxnSpPr>
+          <p:nvPr/>
+        </p:nvCxnSpPr>
+        <p:spPr>
+          <a:xfrm flipV="1">
+            <a:off x="4272292" y="4440753"/>
+            <a:ext cx="1562793" cy="1"/>
+          </a:xfrm>
+          <a:prstGeom prst="straightConnector1">
+            <a:avLst/>
+          </a:prstGeom>
+          <a:ln>
+            <a:solidFill>
+              <a:srgbClr val="FF0000"/>
+            </a:solidFill>
+            <a:tailEnd type="triangle"/>
+          </a:ln>
+        </p:spPr>
+        <p:style>
+          <a:lnRef idx="1">
+            <a:schemeClr val="dk1"/>
+          </a:lnRef>
+          <a:fillRef idx="0">
+            <a:schemeClr val="dk1"/>
+          </a:fillRef>
+          <a:effectRef idx="0">
+            <a:schemeClr val="dk1"/>
+          </a:effectRef>
+          <a:fontRef idx="minor">
+            <a:schemeClr val="tx1"/>
+          </a:fontRef>
+        </p:style>
+      </p:cxnSp>
+      <p:sp>
+        <p:nvSpPr>
+          <p:cNvPr id="36" name="文本框 35">
+            <a:extLst>
+              <a:ext uri="{FF2B5EF4-FFF2-40B4-BE49-F238E27FC236}">
+                <a16:creationId xmlns:a16="http://schemas.microsoft.com/office/drawing/2014/main" id="{43FC73C4-C860-125C-C57E-D264FB91C7C7}"/>
+              </a:ext>
+            </a:extLst>
+          </p:cNvPr>
+          <p:cNvSpPr txBox="1"/>
+          <p:nvPr/>
+        </p:nvSpPr>
+        <p:spPr>
+          <a:xfrm>
+            <a:off x="8802730" y="4317641"/>
+            <a:ext cx="1379913" cy="246221"/>
+          </a:xfrm>
+          <a:prstGeom prst="rect">
+            <a:avLst/>
+          </a:prstGeom>
+          <a:noFill/>
+        </p:spPr>
+        <p:txBody>
+          <a:bodyPr wrap="square" rtlCol="0">
+            <a:spAutoFit/>
+          </a:bodyPr>
+          <a:lstStyle/>
+          <a:p>
+            <a:r>
+              <a:rPr lang="en-US" altLang="zh-CN" sz="1000"/>
+              <a:t>NULL</a:t>
+            </a:r>
+            <a:endParaRPr lang="zh-CN" altLang="en-US" sz="1000"/>
+          </a:p>
+        </p:txBody>
+      </p:sp>
+      <p:cxnSp>
+        <p:nvCxnSpPr>
+          <p:cNvPr id="37" name="直接箭头连接符 36">
+            <a:extLst>
+              <a:ext uri="{FF2B5EF4-FFF2-40B4-BE49-F238E27FC236}">
+                <a16:creationId xmlns:a16="http://schemas.microsoft.com/office/drawing/2014/main" id="{3730F5DB-21CC-60A9-86A0-D3C77668FD7B}"/>
+              </a:ext>
+            </a:extLst>
+          </p:cNvPr>
+          <p:cNvCxnSpPr>
+            <a:cxnSpLocks/>
+            <a:stCxn id="38" idx="6"/>
+            <a:endCxn id="36" idx="1"/>
+          </p:cNvCxnSpPr>
+          <p:nvPr/>
+        </p:nvCxnSpPr>
+        <p:spPr>
+          <a:xfrm>
+            <a:off x="8229152" y="4440751"/>
+            <a:ext cx="573578" cy="1"/>
+          </a:xfrm>
+          <a:prstGeom prst="straightConnector1">
+            <a:avLst/>
+          </a:prstGeom>
+          <a:ln>
+            <a:tailEnd type="triangle"/>
+          </a:ln>
+        </p:spPr>
+        <p:style>
+          <a:lnRef idx="1">
+            <a:schemeClr val="dk1"/>
+          </a:lnRef>
+          <a:fillRef idx="0">
+            <a:schemeClr val="dk1"/>
+          </a:fillRef>
+          <a:effectRef idx="0">
+            <a:schemeClr val="dk1"/>
+          </a:effectRef>
+          <a:fontRef idx="minor">
+            <a:schemeClr val="tx1"/>
+          </a:fontRef>
+        </p:style>
+      </p:cxnSp>
+      <p:sp>
+        <p:nvSpPr>
+          <p:cNvPr id="38" name="椭圆 37">
+            <a:extLst>
+              <a:ext uri="{FF2B5EF4-FFF2-40B4-BE49-F238E27FC236}">
+                <a16:creationId xmlns:a16="http://schemas.microsoft.com/office/drawing/2014/main" id="{39BDC8CC-6D86-37F7-386B-A073ADB5EA29}"/>
+              </a:ext>
+            </a:extLst>
+          </p:cNvPr>
+          <p:cNvSpPr/>
+          <p:nvPr/>
+        </p:nvSpPr>
+        <p:spPr>
+          <a:xfrm>
+            <a:off x="7813515" y="4250750"/>
+            <a:ext cx="415637" cy="380001"/>
+          </a:xfrm>
+          <a:prstGeom prst="ellipse">
+            <a:avLst/>
+          </a:prstGeom>
+          <a:solidFill>
+            <a:srgbClr val="FF5050"/>
+          </a:solidFill>
+          <a:ln w="9525">
+            <a:solidFill>
+              <a:schemeClr val="tx1"/>
+            </a:solidFill>
+          </a:ln>
+        </p:spPr>
+        <p:style>
+          <a:lnRef idx="2">
+            <a:schemeClr val="accent1">
+              <a:shade val="50000"/>
+            </a:schemeClr>
+          </a:lnRef>
+          <a:fillRef idx="1">
+            <a:schemeClr val="accent1"/>
+          </a:fillRef>
+          <a:effectRef idx="0">
+            <a:schemeClr val="accent1"/>
+          </a:effectRef>
+          <a:fontRef idx="minor">
+            <a:schemeClr val="lt1"/>
+          </a:fontRef>
+        </p:style>
+        <p:txBody>
+          <a:bodyPr rtlCol="0" anchor="ctr"/>
+          <a:lstStyle/>
+          <a:p>
+            <a:pPr algn="ctr"/>
+            <a:r>
+              <a:rPr lang="en-US" altLang="zh-CN" sz="800">
+                <a:solidFill>
+                  <a:schemeClr val="bg1"/>
+                </a:solidFill>
+              </a:rPr>
+              <a:t>61</a:t>
+            </a:r>
+            <a:endParaRPr lang="zh-CN" altLang="en-US" sz="800">
+              <a:solidFill>
+                <a:schemeClr val="bg1"/>
+              </a:solidFill>
+            </a:endParaRPr>
+          </a:p>
+        </p:txBody>
+      </p:sp>
+      <p:cxnSp>
+        <p:nvCxnSpPr>
+          <p:cNvPr id="39" name="直接箭头连接符 38">
+            <a:extLst>
+              <a:ext uri="{FF2B5EF4-FFF2-40B4-BE49-F238E27FC236}">
+                <a16:creationId xmlns:a16="http://schemas.microsoft.com/office/drawing/2014/main" id="{BA92E26D-EA0F-B329-E610-59661C41D38E}"/>
+              </a:ext>
+            </a:extLst>
+          </p:cNvPr>
+          <p:cNvCxnSpPr>
+            <a:cxnSpLocks/>
+            <a:stCxn id="33" idx="6"/>
+            <a:endCxn id="38" idx="2"/>
+          </p:cNvCxnSpPr>
+          <p:nvPr/>
+        </p:nvCxnSpPr>
+        <p:spPr>
+          <a:xfrm flipV="1">
+            <a:off x="6250722" y="4440751"/>
+            <a:ext cx="1562793" cy="2"/>
+          </a:xfrm>
+          <a:prstGeom prst="straightConnector1">
+            <a:avLst/>
+          </a:prstGeom>
+          <a:ln>
+            <a:solidFill>
+              <a:srgbClr val="FF0000"/>
+            </a:solidFill>
+            <a:tailEnd type="triangle"/>
+          </a:ln>
+        </p:spPr>
+        <p:style>
+          <a:lnRef idx="1">
+            <a:schemeClr val="dk1"/>
+          </a:lnRef>
+          <a:fillRef idx="0">
+            <a:schemeClr val="dk1"/>
+          </a:fillRef>
+          <a:effectRef idx="0">
+            <a:schemeClr val="dk1"/>
+          </a:effectRef>
+          <a:fontRef idx="minor">
+            <a:schemeClr val="tx1"/>
+          </a:fontRef>
+        </p:style>
+      </p:cxnSp>
+      <p:sp>
+        <p:nvSpPr>
+          <p:cNvPr id="40" name="椭圆 39">
+            <a:extLst>
+              <a:ext uri="{FF2B5EF4-FFF2-40B4-BE49-F238E27FC236}">
+                <a16:creationId xmlns:a16="http://schemas.microsoft.com/office/drawing/2014/main" id="{252A2931-A8A0-DB96-1AB7-35ED99CD5E59}"/>
+              </a:ext>
+            </a:extLst>
+          </p:cNvPr>
+          <p:cNvSpPr/>
+          <p:nvPr/>
+        </p:nvSpPr>
+        <p:spPr>
+          <a:xfrm>
+            <a:off x="3856655" y="3528346"/>
+            <a:ext cx="415637" cy="380001"/>
+          </a:xfrm>
+          <a:prstGeom prst="ellipse">
+            <a:avLst/>
+          </a:prstGeom>
+          <a:solidFill>
+            <a:srgbClr val="FF5050"/>
+          </a:solidFill>
+          <a:ln w="9525">
+            <a:solidFill>
+              <a:schemeClr val="tx1"/>
+            </a:solidFill>
+          </a:ln>
+        </p:spPr>
+        <p:style>
+          <a:lnRef idx="2">
+            <a:schemeClr val="accent1">
+              <a:shade val="50000"/>
+            </a:schemeClr>
+          </a:lnRef>
+          <a:fillRef idx="1">
+            <a:schemeClr val="accent1"/>
+          </a:fillRef>
+          <a:effectRef idx="0">
+            <a:schemeClr val="accent1"/>
+          </a:effectRef>
+          <a:fontRef idx="minor">
+            <a:schemeClr val="lt1"/>
+          </a:fontRef>
+        </p:style>
+        <p:txBody>
+          <a:bodyPr rtlCol="0" anchor="ctr"/>
+          <a:lstStyle/>
+          <a:p>
+            <a:pPr algn="ctr"/>
+            <a:r>
+              <a:rPr lang="en-US" altLang="zh-CN" sz="800">
+                <a:solidFill>
+                  <a:schemeClr val="bg1"/>
+                </a:solidFill>
+              </a:rPr>
+              <a:t>21</a:t>
+            </a:r>
+            <a:endParaRPr lang="zh-CN" altLang="en-US" sz="800">
+              <a:solidFill>
+                <a:schemeClr val="bg1"/>
+              </a:solidFill>
+            </a:endParaRPr>
+          </a:p>
+        </p:txBody>
+      </p:sp>
+      <p:sp>
+        <p:nvSpPr>
+          <p:cNvPr id="41" name="椭圆 40">
+            <a:extLst>
+              <a:ext uri="{FF2B5EF4-FFF2-40B4-BE49-F238E27FC236}">
+                <a16:creationId xmlns:a16="http://schemas.microsoft.com/office/drawing/2014/main" id="{CF8454C1-7360-3CA3-DECA-49808FC7D41D}"/>
+              </a:ext>
+            </a:extLst>
+          </p:cNvPr>
+          <p:cNvSpPr/>
+          <p:nvPr/>
+        </p:nvSpPr>
+        <p:spPr>
+          <a:xfrm>
+            <a:off x="1691188" y="3528346"/>
+            <a:ext cx="415637" cy="380001"/>
+          </a:xfrm>
+          <a:prstGeom prst="ellipse">
+            <a:avLst/>
+          </a:prstGeom>
+          <a:solidFill>
+            <a:srgbClr val="FF5050"/>
+          </a:solidFill>
+          <a:ln w="9525">
+            <a:solidFill>
+              <a:schemeClr val="tx1"/>
+            </a:solidFill>
+          </a:ln>
+        </p:spPr>
+        <p:style>
+          <a:lnRef idx="2">
+            <a:schemeClr val="accent1">
+              <a:shade val="50000"/>
+            </a:schemeClr>
+          </a:lnRef>
+          <a:fillRef idx="1">
+            <a:schemeClr val="accent1"/>
+          </a:fillRef>
+          <a:effectRef idx="0">
+            <a:schemeClr val="accent1"/>
+          </a:effectRef>
+          <a:fontRef idx="minor">
+            <a:schemeClr val="lt1"/>
+          </a:fontRef>
+        </p:style>
+        <p:txBody>
+          <a:bodyPr rtlCol="0" anchor="ctr"/>
+          <a:lstStyle/>
+          <a:p>
+            <a:pPr algn="ctr"/>
+            <a:r>
+              <a:rPr lang="en-US" altLang="zh-CN" sz="800">
+                <a:solidFill>
+                  <a:schemeClr val="bg1"/>
+                </a:solidFill>
+              </a:rPr>
+              <a:t>1</a:t>
+            </a:r>
+            <a:endParaRPr lang="zh-CN" altLang="en-US" sz="800">
+              <a:solidFill>
+                <a:schemeClr val="bg1"/>
+              </a:solidFill>
+            </a:endParaRPr>
+          </a:p>
+        </p:txBody>
+      </p:sp>
+      <p:cxnSp>
+        <p:nvCxnSpPr>
+          <p:cNvPr id="42" name="直接箭头连接符 41">
+            <a:extLst>
+              <a:ext uri="{FF2B5EF4-FFF2-40B4-BE49-F238E27FC236}">
+                <a16:creationId xmlns:a16="http://schemas.microsoft.com/office/drawing/2014/main" id="{CA7E5D35-6D87-6455-293A-EDC917958AFA}"/>
+              </a:ext>
+            </a:extLst>
+          </p:cNvPr>
+          <p:cNvCxnSpPr>
+            <a:stCxn id="41" idx="6"/>
+            <a:endCxn id="40" idx="2"/>
+          </p:cNvCxnSpPr>
+          <p:nvPr/>
+        </p:nvCxnSpPr>
+        <p:spPr>
+          <a:xfrm>
+            <a:off x="2106825" y="3718347"/>
+            <a:ext cx="1749830" cy="0"/>
+          </a:xfrm>
+          <a:prstGeom prst="straightConnector1">
+            <a:avLst/>
+          </a:prstGeom>
+          <a:ln>
+            <a:solidFill>
+              <a:srgbClr val="FF0000"/>
+            </a:solidFill>
+            <a:tailEnd type="triangle"/>
+          </a:ln>
+        </p:spPr>
+        <p:style>
+          <a:lnRef idx="1">
+            <a:schemeClr val="dk1"/>
+          </a:lnRef>
+          <a:fillRef idx="0">
+            <a:schemeClr val="dk1"/>
+          </a:fillRef>
+          <a:effectRef idx="0">
+            <a:schemeClr val="dk1"/>
+          </a:effectRef>
+          <a:fontRef idx="minor">
+            <a:schemeClr val="tx1"/>
+          </a:fontRef>
+        </p:style>
+      </p:cxnSp>
+      <p:sp>
+        <p:nvSpPr>
+          <p:cNvPr id="43" name="文本框 42">
+            <a:extLst>
+              <a:ext uri="{FF2B5EF4-FFF2-40B4-BE49-F238E27FC236}">
+                <a16:creationId xmlns:a16="http://schemas.microsoft.com/office/drawing/2014/main" id="{E558DA31-034C-0D9B-9102-667EC5EC3EA6}"/>
+              </a:ext>
+            </a:extLst>
+          </p:cNvPr>
+          <p:cNvSpPr txBox="1"/>
+          <p:nvPr/>
+        </p:nvSpPr>
+        <p:spPr>
+          <a:xfrm>
+            <a:off x="8802730" y="3595234"/>
+            <a:ext cx="1379913" cy="246221"/>
+          </a:xfrm>
+          <a:prstGeom prst="rect">
+            <a:avLst/>
+          </a:prstGeom>
+          <a:noFill/>
+        </p:spPr>
+        <p:txBody>
+          <a:bodyPr wrap="square" rtlCol="0">
+            <a:spAutoFit/>
+          </a:bodyPr>
+          <a:lstStyle/>
+          <a:p>
+            <a:r>
+              <a:rPr lang="en-US" altLang="zh-CN" sz="1000"/>
+              <a:t>NULL</a:t>
+            </a:r>
+            <a:endParaRPr lang="zh-CN" altLang="en-US" sz="1000"/>
+          </a:p>
+        </p:txBody>
+      </p:sp>
+      <p:cxnSp>
+        <p:nvCxnSpPr>
+          <p:cNvPr id="44" name="直接箭头连接符 43">
+            <a:extLst>
+              <a:ext uri="{FF2B5EF4-FFF2-40B4-BE49-F238E27FC236}">
+                <a16:creationId xmlns:a16="http://schemas.microsoft.com/office/drawing/2014/main" id="{2B142C66-844D-D69C-6C86-D5C4A22FA5B4}"/>
+              </a:ext>
+            </a:extLst>
+          </p:cNvPr>
+          <p:cNvCxnSpPr>
+            <a:cxnSpLocks/>
+            <a:stCxn id="40" idx="6"/>
+            <a:endCxn id="43" idx="1"/>
+          </p:cNvCxnSpPr>
+          <p:nvPr/>
+        </p:nvCxnSpPr>
+        <p:spPr>
+          <a:xfrm flipV="1">
+            <a:off x="4272292" y="3718345"/>
+            <a:ext cx="4530438" cy="2"/>
+          </a:xfrm>
+          <a:prstGeom prst="straightConnector1">
+            <a:avLst/>
+          </a:prstGeom>
+          <a:ln>
+            <a:tailEnd type="triangle"/>
+          </a:ln>
+        </p:spPr>
+        <p:style>
+          <a:lnRef idx="1">
+            <a:schemeClr val="dk1"/>
+          </a:lnRef>
+          <a:fillRef idx="0">
+            <a:schemeClr val="dk1"/>
+          </a:fillRef>
+          <a:effectRef idx="0">
+            <a:schemeClr val="dk1"/>
+          </a:effectRef>
+          <a:fontRef idx="minor">
+            <a:schemeClr val="tx1"/>
+          </a:fontRef>
+        </p:style>
+      </p:cxnSp>
+      <p:sp>
+        <p:nvSpPr>
+          <p:cNvPr id="45" name="椭圆 44">
+            <a:extLst>
+              <a:ext uri="{FF2B5EF4-FFF2-40B4-BE49-F238E27FC236}">
+                <a16:creationId xmlns:a16="http://schemas.microsoft.com/office/drawing/2014/main" id="{377A106C-AC1D-83CE-B0F9-E897F78225E4}"/>
+              </a:ext>
+            </a:extLst>
+          </p:cNvPr>
+          <p:cNvSpPr/>
+          <p:nvPr/>
+        </p:nvSpPr>
+        <p:spPr>
+          <a:xfrm>
+            <a:off x="2773921" y="5029375"/>
+            <a:ext cx="415637" cy="380001"/>
+          </a:xfrm>
+          <a:prstGeom prst="ellipse">
+            <a:avLst/>
+          </a:prstGeom>
+          <a:solidFill>
+            <a:schemeClr val="bg1"/>
+          </a:solidFill>
+          <a:ln w="9525">
+            <a:solidFill>
+              <a:schemeClr val="tx1"/>
+            </a:solidFill>
+          </a:ln>
+        </p:spPr>
+        <p:style>
+          <a:lnRef idx="2">
+            <a:schemeClr val="accent1">
+              <a:shade val="50000"/>
+            </a:schemeClr>
+          </a:lnRef>
+          <a:fillRef idx="1">
+            <a:schemeClr val="accent1"/>
+          </a:fillRef>
+          <a:effectRef idx="0">
+            <a:schemeClr val="accent1"/>
+          </a:effectRef>
+          <a:fontRef idx="minor">
+            <a:schemeClr val="lt1"/>
+          </a:fontRef>
+        </p:style>
+        <p:txBody>
+          <a:bodyPr rtlCol="0" anchor="ctr"/>
+          <a:lstStyle/>
+          <a:p>
+            <a:pPr algn="ctr"/>
+            <a:r>
+              <a:rPr lang="en-US" altLang="zh-CN" sz="800">
+                <a:solidFill>
+                  <a:schemeClr val="tx1"/>
+                </a:solidFill>
+              </a:rPr>
+              <a:t>11</a:t>
+            </a:r>
+            <a:endParaRPr lang="zh-CN" altLang="en-US" sz="800">
+              <a:solidFill>
+                <a:schemeClr val="tx1"/>
+              </a:solidFill>
+            </a:endParaRPr>
+          </a:p>
+        </p:txBody>
+      </p:sp>
+      <p:cxnSp>
+        <p:nvCxnSpPr>
+          <p:cNvPr id="46" name="直接箭头连接符 45">
+            <a:extLst>
+              <a:ext uri="{FF2B5EF4-FFF2-40B4-BE49-F238E27FC236}">
+                <a16:creationId xmlns:a16="http://schemas.microsoft.com/office/drawing/2014/main" id="{B534A5FE-AB73-9399-6C07-7AEC983E991A}"/>
+              </a:ext>
+            </a:extLst>
+          </p:cNvPr>
+          <p:cNvCxnSpPr>
+            <a:stCxn id="45" idx="6"/>
+            <a:endCxn id="18" idx="2"/>
+          </p:cNvCxnSpPr>
+          <p:nvPr/>
+        </p:nvCxnSpPr>
+        <p:spPr>
+          <a:xfrm>
+            <a:off x="3189558" y="5219376"/>
+            <a:ext cx="667097" cy="3"/>
+          </a:xfrm>
+          <a:prstGeom prst="straightConnector1">
+            <a:avLst/>
+          </a:prstGeom>
+          <a:ln>
+            <a:tailEnd type="triangle"/>
+          </a:ln>
+        </p:spPr>
+        <p:style>
+          <a:lnRef idx="1">
+            <a:schemeClr val="dk1"/>
+          </a:lnRef>
+          <a:fillRef idx="0">
+            <a:schemeClr val="dk1"/>
+          </a:fillRef>
+          <a:effectRef idx="0">
+            <a:schemeClr val="dk1"/>
+          </a:effectRef>
+          <a:fontRef idx="minor">
+            <a:schemeClr val="tx1"/>
+          </a:fontRef>
+        </p:style>
+      </p:cxnSp>
+      <p:sp>
+        <p:nvSpPr>
+          <p:cNvPr id="47" name="文本框 46">
+            <a:extLst>
+              <a:ext uri="{FF2B5EF4-FFF2-40B4-BE49-F238E27FC236}">
+                <a16:creationId xmlns:a16="http://schemas.microsoft.com/office/drawing/2014/main" id="{3835802B-714D-D60C-8B9F-A3C2BE9DF5A8}"/>
+              </a:ext>
+            </a:extLst>
+          </p:cNvPr>
+          <p:cNvSpPr txBox="1"/>
+          <p:nvPr/>
+        </p:nvSpPr>
+        <p:spPr>
+          <a:xfrm>
+            <a:off x="812114" y="3600945"/>
+            <a:ext cx="926873" cy="246221"/>
+          </a:xfrm>
+          <a:prstGeom prst="rect">
+            <a:avLst/>
+          </a:prstGeom>
+          <a:noFill/>
+        </p:spPr>
+        <p:txBody>
+          <a:bodyPr wrap="square" rtlCol="0">
+            <a:spAutoFit/>
+          </a:bodyPr>
+          <a:lstStyle/>
+          <a:p>
+            <a:r>
+              <a:rPr lang="zh-CN" altLang="en-US" sz="1000"/>
+              <a:t>第 </a:t>
+            </a:r>
+            <a:r>
+              <a:rPr lang="en-US" altLang="zh-CN" sz="1000"/>
+              <a:t>2 </a:t>
+            </a:r>
+            <a:r>
+              <a:rPr lang="zh-CN" altLang="en-US" sz="1000"/>
+              <a:t>层</a:t>
+            </a:r>
+          </a:p>
+        </p:txBody>
+      </p:sp>
+      <p:sp>
+        <p:nvSpPr>
+          <p:cNvPr id="48" name="文本框 47">
+            <a:extLst>
+              <a:ext uri="{FF2B5EF4-FFF2-40B4-BE49-F238E27FC236}">
+                <a16:creationId xmlns:a16="http://schemas.microsoft.com/office/drawing/2014/main" id="{9914F1ED-CF80-5AC2-9DA1-15F2D82ED10A}"/>
+              </a:ext>
+            </a:extLst>
+          </p:cNvPr>
+          <p:cNvSpPr txBox="1"/>
+          <p:nvPr/>
+        </p:nvSpPr>
+        <p:spPr>
+          <a:xfrm>
+            <a:off x="812113" y="4306351"/>
+            <a:ext cx="926873" cy="246221"/>
+          </a:xfrm>
+          <a:prstGeom prst="rect">
+            <a:avLst/>
+          </a:prstGeom>
+          <a:noFill/>
+        </p:spPr>
+        <p:txBody>
+          <a:bodyPr wrap="square" rtlCol="0">
+            <a:spAutoFit/>
+          </a:bodyPr>
+          <a:lstStyle/>
+          <a:p>
+            <a:r>
+              <a:rPr lang="zh-CN" altLang="en-US" sz="1000"/>
+              <a:t>第 </a:t>
+            </a:r>
+            <a:r>
+              <a:rPr lang="en-US" altLang="zh-CN" sz="1000"/>
+              <a:t>1 </a:t>
+            </a:r>
+            <a:r>
+              <a:rPr lang="zh-CN" altLang="en-US" sz="1000"/>
+              <a:t>层</a:t>
+            </a:r>
+          </a:p>
+        </p:txBody>
+      </p:sp>
+      <p:sp>
+        <p:nvSpPr>
+          <p:cNvPr id="49" name="文本框 48">
+            <a:extLst>
+              <a:ext uri="{FF2B5EF4-FFF2-40B4-BE49-F238E27FC236}">
+                <a16:creationId xmlns:a16="http://schemas.microsoft.com/office/drawing/2014/main" id="{DCD11478-13A6-42AF-DB73-4CA2508F04D6}"/>
+              </a:ext>
+            </a:extLst>
+          </p:cNvPr>
+          <p:cNvSpPr txBox="1"/>
+          <p:nvPr/>
+        </p:nvSpPr>
+        <p:spPr>
+          <a:xfrm>
+            <a:off x="841209" y="5089939"/>
+            <a:ext cx="926873" cy="246221"/>
+          </a:xfrm>
+          <a:prstGeom prst="rect">
+            <a:avLst/>
+          </a:prstGeom>
+          <a:noFill/>
+        </p:spPr>
+        <p:txBody>
+          <a:bodyPr wrap="square" rtlCol="0">
+            <a:spAutoFit/>
+          </a:bodyPr>
+          <a:lstStyle/>
+          <a:p>
+            <a:r>
+              <a:rPr lang="zh-CN" altLang="en-US" sz="1000"/>
+              <a:t>第 </a:t>
+            </a:r>
+            <a:r>
+              <a:rPr lang="en-US" altLang="zh-CN" sz="1000"/>
+              <a:t>0 </a:t>
+            </a:r>
+            <a:r>
+              <a:rPr lang="zh-CN" altLang="en-US" sz="1000"/>
+              <a:t>层</a:t>
+            </a:r>
+          </a:p>
+        </p:txBody>
+      </p:sp>
+      <p:cxnSp>
+        <p:nvCxnSpPr>
+          <p:cNvPr id="50" name="直接连接符 49">
+            <a:extLst>
+              <a:ext uri="{FF2B5EF4-FFF2-40B4-BE49-F238E27FC236}">
+                <a16:creationId xmlns:a16="http://schemas.microsoft.com/office/drawing/2014/main" id="{59F8BA36-247E-D758-620B-1CE003DCD847}"/>
+              </a:ext>
+            </a:extLst>
+          </p:cNvPr>
+          <p:cNvCxnSpPr>
+            <a:stCxn id="41" idx="4"/>
+            <a:endCxn id="32" idx="0"/>
+          </p:cNvCxnSpPr>
+          <p:nvPr/>
+        </p:nvCxnSpPr>
+        <p:spPr>
+          <a:xfrm>
+            <a:off x="1899007" y="3908347"/>
+            <a:ext cx="0" cy="342406"/>
+          </a:xfrm>
+          <a:prstGeom prst="line">
+            <a:avLst/>
+          </a:prstGeom>
+        </p:spPr>
+        <p:style>
+          <a:lnRef idx="1">
+            <a:schemeClr val="dk1"/>
+          </a:lnRef>
+          <a:fillRef idx="0">
+            <a:schemeClr val="dk1"/>
+          </a:fillRef>
+          <a:effectRef idx="0">
+            <a:schemeClr val="dk1"/>
+          </a:effectRef>
+          <a:fontRef idx="minor">
+            <a:schemeClr val="tx1"/>
+          </a:fontRef>
+        </p:style>
+      </p:cxnSp>
+      <p:cxnSp>
+        <p:nvCxnSpPr>
+          <p:cNvPr id="51" name="直接连接符 50">
+            <a:extLst>
+              <a:ext uri="{FF2B5EF4-FFF2-40B4-BE49-F238E27FC236}">
+                <a16:creationId xmlns:a16="http://schemas.microsoft.com/office/drawing/2014/main" id="{E34D577D-05F9-D02D-44A5-D646B0D9F70A}"/>
+              </a:ext>
+            </a:extLst>
+          </p:cNvPr>
+          <p:cNvCxnSpPr>
+            <a:endCxn id="19" idx="0"/>
+          </p:cNvCxnSpPr>
+          <p:nvPr/>
+        </p:nvCxnSpPr>
+        <p:spPr>
+          <a:xfrm>
+            <a:off x="1899006" y="4630751"/>
+            <a:ext cx="1" cy="398627"/>
+          </a:xfrm>
+          <a:prstGeom prst="line">
+            <a:avLst/>
+          </a:prstGeom>
+        </p:spPr>
+        <p:style>
+          <a:lnRef idx="1">
+            <a:schemeClr val="dk1"/>
+          </a:lnRef>
+          <a:fillRef idx="0">
+            <a:schemeClr val="dk1"/>
+          </a:fillRef>
+          <a:effectRef idx="0">
+            <a:schemeClr val="dk1"/>
+          </a:effectRef>
+          <a:fontRef idx="minor">
+            <a:schemeClr val="tx1"/>
+          </a:fontRef>
+        </p:style>
+      </p:cxnSp>
+      <p:cxnSp>
+        <p:nvCxnSpPr>
+          <p:cNvPr id="52" name="直接连接符 51">
+            <a:extLst>
+              <a:ext uri="{FF2B5EF4-FFF2-40B4-BE49-F238E27FC236}">
+                <a16:creationId xmlns:a16="http://schemas.microsoft.com/office/drawing/2014/main" id="{5C751418-675A-D81D-C660-291377D4EFFF}"/>
+              </a:ext>
+            </a:extLst>
+          </p:cNvPr>
+          <p:cNvCxnSpPr>
+            <a:stCxn id="40" idx="4"/>
+            <a:endCxn id="31" idx="0"/>
+          </p:cNvCxnSpPr>
+          <p:nvPr/>
+        </p:nvCxnSpPr>
+        <p:spPr>
+          <a:xfrm>
+            <a:off x="4064474" y="3908347"/>
+            <a:ext cx="0" cy="342406"/>
+          </a:xfrm>
+          <a:prstGeom prst="line">
+            <a:avLst/>
+          </a:prstGeom>
+          <a:ln>
+            <a:solidFill>
+              <a:srgbClr val="FF0000"/>
+            </a:solidFill>
+          </a:ln>
+        </p:spPr>
+        <p:style>
+          <a:lnRef idx="1">
+            <a:schemeClr val="dk1"/>
+          </a:lnRef>
+          <a:fillRef idx="0">
+            <a:schemeClr val="dk1"/>
+          </a:fillRef>
+          <a:effectRef idx="0">
+            <a:schemeClr val="dk1"/>
+          </a:effectRef>
+          <a:fontRef idx="minor">
+            <a:schemeClr val="tx1"/>
+          </a:fontRef>
+        </p:style>
+      </p:cxnSp>
+      <p:cxnSp>
+        <p:nvCxnSpPr>
+          <p:cNvPr id="53" name="直接连接符 52">
+            <a:extLst>
+              <a:ext uri="{FF2B5EF4-FFF2-40B4-BE49-F238E27FC236}">
+                <a16:creationId xmlns:a16="http://schemas.microsoft.com/office/drawing/2014/main" id="{B7CC2356-1A7E-6A90-751B-A345CF2E57C6}"/>
+              </a:ext>
+            </a:extLst>
+          </p:cNvPr>
+          <p:cNvCxnSpPr>
+            <a:stCxn id="31" idx="4"/>
+            <a:endCxn id="18" idx="0"/>
+          </p:cNvCxnSpPr>
+          <p:nvPr/>
+        </p:nvCxnSpPr>
+        <p:spPr>
+          <a:xfrm>
+            <a:off x="4064474" y="4630754"/>
+            <a:ext cx="0" cy="398624"/>
+          </a:xfrm>
+          <a:prstGeom prst="line">
+            <a:avLst/>
+          </a:prstGeom>
+        </p:spPr>
+        <p:style>
+          <a:lnRef idx="1">
+            <a:schemeClr val="dk1"/>
+          </a:lnRef>
+          <a:fillRef idx="0">
+            <a:schemeClr val="dk1"/>
+          </a:fillRef>
+          <a:effectRef idx="0">
+            <a:schemeClr val="dk1"/>
+          </a:effectRef>
+          <a:fontRef idx="minor">
+            <a:schemeClr val="tx1"/>
+          </a:fontRef>
+        </p:style>
+      </p:cxnSp>
+      <p:cxnSp>
+        <p:nvCxnSpPr>
+          <p:cNvPr id="54" name="直接连接符 53">
+            <a:extLst>
+              <a:ext uri="{FF2B5EF4-FFF2-40B4-BE49-F238E27FC236}">
+                <a16:creationId xmlns:a16="http://schemas.microsoft.com/office/drawing/2014/main" id="{992BB0FE-53F3-9A17-CA80-5925A94AB0C5}"/>
+              </a:ext>
+            </a:extLst>
+          </p:cNvPr>
+          <p:cNvCxnSpPr>
+            <a:endCxn id="21" idx="0"/>
+          </p:cNvCxnSpPr>
+          <p:nvPr/>
+        </p:nvCxnSpPr>
+        <p:spPr>
+          <a:xfrm>
+            <a:off x="6042903" y="4630751"/>
+            <a:ext cx="1" cy="398626"/>
+          </a:xfrm>
+          <a:prstGeom prst="line">
+            <a:avLst/>
+          </a:prstGeom>
+          <a:ln>
+            <a:solidFill>
+              <a:srgbClr val="FF0000"/>
+            </a:solidFill>
+          </a:ln>
+        </p:spPr>
+        <p:style>
+          <a:lnRef idx="1">
+            <a:schemeClr val="dk1"/>
+          </a:lnRef>
+          <a:fillRef idx="0">
+            <a:schemeClr val="dk1"/>
+          </a:fillRef>
+          <a:effectRef idx="0">
+            <a:schemeClr val="dk1"/>
+          </a:effectRef>
+          <a:fontRef idx="minor">
+            <a:schemeClr val="tx1"/>
+          </a:fontRef>
+        </p:style>
+      </p:cxnSp>
+      <p:cxnSp>
+        <p:nvCxnSpPr>
+          <p:cNvPr id="55" name="直接连接符 54">
+            <a:extLst>
+              <a:ext uri="{FF2B5EF4-FFF2-40B4-BE49-F238E27FC236}">
+                <a16:creationId xmlns:a16="http://schemas.microsoft.com/office/drawing/2014/main" id="{6F928F80-9E36-7B4B-D263-8D9AEB581713}"/>
+              </a:ext>
+            </a:extLst>
+          </p:cNvPr>
+          <p:cNvCxnSpPr>
+            <a:endCxn id="29" idx="0"/>
+          </p:cNvCxnSpPr>
+          <p:nvPr/>
+        </p:nvCxnSpPr>
+        <p:spPr>
+          <a:xfrm>
+            <a:off x="8021333" y="4630751"/>
+            <a:ext cx="1" cy="398624"/>
+          </a:xfrm>
+          <a:prstGeom prst="line">
+            <a:avLst/>
+          </a:prstGeom>
+        </p:spPr>
+        <p:style>
+          <a:lnRef idx="1">
+            <a:schemeClr val="dk1"/>
+          </a:lnRef>
+          <a:fillRef idx="0">
+            <a:schemeClr val="dk1"/>
+          </a:fillRef>
+          <a:effectRef idx="0">
+            <a:schemeClr val="dk1"/>
+          </a:effectRef>
+          <a:fontRef idx="minor">
+            <a:schemeClr val="tx1"/>
+          </a:fontRef>
+        </p:style>
+      </p:cxnSp>
     </p:spTree>
     <p:extLst>
       <p:ext uri="{BB962C8B-B14F-4D97-AF65-F5344CB8AC3E}">
@@ -4965,6 +7632,36 @@
     <p:extLst>
       <p:ext uri="{BB962C8B-B14F-4D97-AF65-F5344CB8AC3E}">
         <p14:creationId xmlns:p14="http://schemas.microsoft.com/office/powerpoint/2010/main" val="2316223309"/>
+      </p:ext>
+    </p:extLst>
+  </p:cSld>
+  <p:clrMapOvr>
+    <a:masterClrMapping/>
+  </p:clrMapOvr>
+</p:sld>
+</file>
+
+<file path=ppt/slides/slide3.xml><?xml version="1.0" encoding="utf-8"?>
+<p:sld xmlns:a="http://schemas.openxmlformats.org/drawingml/2006/main" xmlns:r="http://schemas.openxmlformats.org/officeDocument/2006/relationships" xmlns:p="http://schemas.openxmlformats.org/presentationml/2006/main">
+  <p:cSld>
+    <p:spTree>
+      <p:nvGrpSpPr>
+        <p:cNvPr id="1" name=""/>
+        <p:cNvGrpSpPr/>
+        <p:nvPr/>
+      </p:nvGrpSpPr>
+      <p:grpSpPr>
+        <a:xfrm>
+          <a:off x="0" y="0"/>
+          <a:ext cx="0" cy="0"/>
+          <a:chOff x="0" y="0"/>
+          <a:chExt cx="0" cy="0"/>
+        </a:xfrm>
+      </p:grpSpPr>
+    </p:spTree>
+    <p:extLst>
+      <p:ext uri="{BB962C8B-B14F-4D97-AF65-F5344CB8AC3E}">
+        <p14:creationId xmlns:p14="http://schemas.microsoft.com/office/powerpoint/2010/main" val="3164251925"/>
       </p:ext>
     </p:extLst>
   </p:cSld>
